--- a/GISオープン教材/よくある質問とエラー/よくある質問とエラー.pptx
+++ b/GISオープン教材/よくある質問とエラー/よくある質問とエラー.pptx
@@ -5,12 +5,18 @@
     <p:sldMasterId id="2147483660" r:id="rId1"/>
   </p:sldMasterIdLst>
   <p:notesMasterIdLst>
-    <p:notesMasterId r:id="rId5"/>
+    <p:notesMasterId r:id="rId11"/>
   </p:notesMasterIdLst>
   <p:sldIdLst>
     <p:sldId id="256" r:id="rId2"/>
     <p:sldId id="257" r:id="rId3"/>
     <p:sldId id="258" r:id="rId4"/>
+    <p:sldId id="259" r:id="rId5"/>
+    <p:sldId id="260" r:id="rId6"/>
+    <p:sldId id="261" r:id="rId7"/>
+    <p:sldId id="262" r:id="rId8"/>
+    <p:sldId id="263" r:id="rId9"/>
+    <p:sldId id="264" r:id="rId10"/>
   </p:sldIdLst>
   <p:sldSz cx="9144000" cy="5715000" type="screen16x10"/>
   <p:notesSz cx="6858000" cy="9144000"/>
@@ -210,7 +216,7 @@
           <a:p>
             <a:fld id="{636A9AF6-331B-4E58-9001-8E72DBEA7EF8}" type="datetimeFigureOut">
               <a:rPr kumimoji="1" lang="ja-JP" altLang="en-US" smtClean="0"/>
-              <a:t>2017/3/14</a:t>
+              <a:t>2017/7/20</a:t>
             </a:fld>
             <a:endParaRPr kumimoji="1" lang="ja-JP" altLang="en-US"/>
           </a:p>
@@ -677,7 +683,7 @@
           <a:p>
             <a:fld id="{7BF98B17-CE4C-42DD-AEDB-B62939FBF2E8}" type="datetimeFigureOut">
               <a:rPr kumimoji="1" lang="ja-JP" altLang="en-US" smtClean="0"/>
-              <a:t>2017/3/14</a:t>
+              <a:t>2017/7/20</a:t>
             </a:fld>
             <a:endParaRPr kumimoji="1" lang="ja-JP" altLang="en-US"/>
           </a:p>
@@ -1746,7 +1752,7 @@
           <a:p>
             <a:fld id="{7BF98B17-CE4C-42DD-AEDB-B62939FBF2E8}" type="datetimeFigureOut">
               <a:rPr kumimoji="1" lang="ja-JP" altLang="en-US" smtClean="0"/>
-              <a:t>2017/3/14</a:t>
+              <a:t>2017/7/20</a:t>
             </a:fld>
             <a:endParaRPr kumimoji="1" lang="ja-JP" altLang="en-US"/>
           </a:p>
@@ -1958,7 +1964,7 @@
           <a:p>
             <a:fld id="{7BF98B17-CE4C-42DD-AEDB-B62939FBF2E8}" type="datetimeFigureOut">
               <a:rPr kumimoji="1" lang="ja-JP" altLang="en-US" smtClean="0"/>
-              <a:t>2017/3/14</a:t>
+              <a:t>2017/7/20</a:t>
             </a:fld>
             <a:endParaRPr kumimoji="1" lang="ja-JP" altLang="en-US"/>
           </a:p>
@@ -2273,7 +2279,7 @@
           <a:p>
             <a:fld id="{7BF98B17-CE4C-42DD-AEDB-B62939FBF2E8}" type="datetimeFigureOut">
               <a:rPr kumimoji="1" lang="ja-JP" altLang="en-US" smtClean="0"/>
-              <a:t>2017/3/14</a:t>
+              <a:t>2017/7/20</a:t>
             </a:fld>
             <a:endParaRPr kumimoji="1" lang="ja-JP" altLang="en-US"/>
           </a:p>
@@ -2569,7 +2575,7 @@
           <a:p>
             <a:fld id="{7BF98B17-CE4C-42DD-AEDB-B62939FBF2E8}" type="datetimeFigureOut">
               <a:rPr kumimoji="1" lang="ja-JP" altLang="en-US" smtClean="0"/>
-              <a:t>2017/3/14</a:t>
+              <a:t>2017/7/20</a:t>
             </a:fld>
             <a:endParaRPr kumimoji="1" lang="ja-JP" altLang="en-US"/>
           </a:p>
@@ -3000,7 +3006,7 @@
           <a:p>
             <a:fld id="{7BF98B17-CE4C-42DD-AEDB-B62939FBF2E8}" type="datetimeFigureOut">
               <a:rPr kumimoji="1" lang="ja-JP" altLang="en-US" smtClean="0"/>
-              <a:t>2017/3/14</a:t>
+              <a:t>2017/7/20</a:t>
             </a:fld>
             <a:endParaRPr kumimoji="1" lang="ja-JP" altLang="en-US"/>
           </a:p>
@@ -3118,7 +3124,7 @@
           <a:p>
             <a:fld id="{7BF98B17-CE4C-42DD-AEDB-B62939FBF2E8}" type="datetimeFigureOut">
               <a:rPr kumimoji="1" lang="ja-JP" altLang="en-US" smtClean="0"/>
-              <a:t>2017/3/14</a:t>
+              <a:t>2017/7/20</a:t>
             </a:fld>
             <a:endParaRPr kumimoji="1" lang="ja-JP" altLang="en-US"/>
           </a:p>
@@ -3213,7 +3219,7 @@
           <a:p>
             <a:fld id="{7BF98B17-CE4C-42DD-AEDB-B62939FBF2E8}" type="datetimeFigureOut">
               <a:rPr kumimoji="1" lang="ja-JP" altLang="en-US" smtClean="0"/>
-              <a:t>2017/3/14</a:t>
+              <a:t>2017/7/20</a:t>
             </a:fld>
             <a:endParaRPr kumimoji="1" lang="ja-JP" altLang="en-US"/>
           </a:p>
@@ -3522,7 +3528,7 @@
           <a:p>
             <a:fld id="{7BF98B17-CE4C-42DD-AEDB-B62939FBF2E8}" type="datetimeFigureOut">
               <a:rPr kumimoji="1" lang="ja-JP" altLang="en-US" smtClean="0"/>
-              <a:t>2017/3/14</a:t>
+              <a:t>2017/7/20</a:t>
             </a:fld>
             <a:endParaRPr kumimoji="1" lang="ja-JP" altLang="en-US"/>
           </a:p>
@@ -3779,7 +3785,7 @@
           <a:p>
             <a:fld id="{7BF98B17-CE4C-42DD-AEDB-B62939FBF2E8}" type="datetimeFigureOut">
               <a:rPr kumimoji="1" lang="ja-JP" altLang="en-US" smtClean="0"/>
-              <a:t>2017/3/14</a:t>
+              <a:t>2017/7/20</a:t>
             </a:fld>
             <a:endParaRPr kumimoji="1" lang="ja-JP" altLang="en-US"/>
           </a:p>
@@ -4024,7 +4030,7 @@
           <a:p>
             <a:fld id="{7BF98B17-CE4C-42DD-AEDB-B62939FBF2E8}" type="datetimeFigureOut">
               <a:rPr kumimoji="1" lang="ja-JP" altLang="en-US" smtClean="0"/>
-              <a:t>2017/3/14</a:t>
+              <a:t>2017/7/20</a:t>
             </a:fld>
             <a:endParaRPr kumimoji="1" lang="ja-JP" altLang="en-US"/>
           </a:p>
@@ -5885,6 +5891,2307 @@
     <p:extLst>
       <p:ext uri="{BB962C8B-B14F-4D97-AF65-F5344CB8AC3E}">
         <p14:creationId xmlns:p14="http://schemas.microsoft.com/office/powerpoint/2010/main" val="4181720026"/>
+      </p:ext>
+    </p:extLst>
+  </p:cSld>
+  <p:clrMapOvr>
+    <a:masterClrMapping/>
+  </p:clrMapOvr>
+</p:sld>
+</file>
+
+<file path=ppt/slides/slide4.xml><?xml version="1.0" encoding="utf-8"?>
+<p:sld xmlns:a="http://schemas.openxmlformats.org/drawingml/2006/main" xmlns:r="http://schemas.openxmlformats.org/officeDocument/2006/relationships" xmlns:p="http://schemas.openxmlformats.org/presentationml/2006/main">
+  <p:cSld>
+    <p:spTree>
+      <p:nvGrpSpPr>
+        <p:cNvPr id="1" name=""/>
+        <p:cNvGrpSpPr/>
+        <p:nvPr/>
+      </p:nvGrpSpPr>
+      <p:grpSpPr>
+        <a:xfrm>
+          <a:off x="0" y="0"/>
+          <a:ext cx="0" cy="0"/>
+          <a:chOff x="0" y="0"/>
+          <a:chExt cx="0" cy="0"/>
+        </a:xfrm>
+      </p:grpSpPr>
+      <p:sp>
+        <p:nvSpPr>
+          <p:cNvPr id="2" name="タイトル 1"/>
+          <p:cNvSpPr>
+            <a:spLocks noGrp="1"/>
+          </p:cNvSpPr>
+          <p:nvPr>
+            <p:ph type="title"/>
+          </p:nvPr>
+        </p:nvSpPr>
+        <p:spPr/>
+        <p:txBody>
+          <a:bodyPr>
+            <a:normAutofit fontScale="90000"/>
+          </a:bodyPr>
+          <a:lstStyle/>
+          <a:p>
+            <a:r>
+              <a:rPr kumimoji="1" lang="ja-JP" altLang="en-US" dirty="0" smtClean="0"/>
+              <a:t>テーブル結合</a:t>
+            </a:r>
+            <a:endParaRPr kumimoji="1" lang="ja-JP" altLang="en-US" dirty="0"/>
+          </a:p>
+        </p:txBody>
+      </p:sp>
+      <p:pic>
+        <p:nvPicPr>
+          <p:cNvPr id="4" name="図 3"/>
+          <p:cNvPicPr>
+            <a:picLocks noChangeAspect="1"/>
+          </p:cNvPicPr>
+          <p:nvPr/>
+        </p:nvPicPr>
+        <p:blipFill rotWithShape="1">
+          <a:blip r:embed="rId2"/>
+          <a:srcRect r="84375" b="36719"/>
+          <a:stretch/>
+        </p:blipFill>
+        <p:spPr>
+          <a:xfrm>
+            <a:off x="371475" y="990600"/>
+            <a:ext cx="2600325" cy="4212527"/>
+          </a:xfrm>
+          <a:prstGeom prst="rect">
+            <a:avLst/>
+          </a:prstGeom>
+        </p:spPr>
+      </p:pic>
+      <p:pic>
+        <p:nvPicPr>
+          <p:cNvPr id="5" name="図 4"/>
+          <p:cNvPicPr>
+            <a:picLocks noChangeAspect="1"/>
+          </p:cNvPicPr>
+          <p:nvPr/>
+        </p:nvPicPr>
+        <p:blipFill rotWithShape="1">
+          <a:blip r:embed="rId3"/>
+          <a:srcRect l="6874" t="1952" r="53438" b="33203"/>
+          <a:stretch/>
+        </p:blipFill>
+        <p:spPr>
+          <a:xfrm>
+            <a:off x="3419475" y="853545"/>
+            <a:ext cx="4838700" cy="3162300"/>
+          </a:xfrm>
+          <a:prstGeom prst="rect">
+            <a:avLst/>
+          </a:prstGeom>
+        </p:spPr>
+      </p:pic>
+      <p:cxnSp>
+        <p:nvCxnSpPr>
+          <p:cNvPr id="6" name="直線矢印コネクタ 5"/>
+          <p:cNvCxnSpPr/>
+          <p:nvPr/>
+        </p:nvCxnSpPr>
+        <p:spPr>
+          <a:xfrm flipV="1">
+            <a:off x="2463800" y="2434695"/>
+            <a:ext cx="1308100" cy="2342681"/>
+          </a:xfrm>
+          <a:prstGeom prst="straightConnector1">
+            <a:avLst/>
+          </a:prstGeom>
+          <a:ln w="38100">
+            <a:solidFill>
+              <a:srgbClr val="FF0000"/>
+            </a:solidFill>
+            <a:tailEnd type="triangle"/>
+          </a:ln>
+        </p:spPr>
+        <p:style>
+          <a:lnRef idx="1">
+            <a:schemeClr val="accent1"/>
+          </a:lnRef>
+          <a:fillRef idx="0">
+            <a:schemeClr val="accent1"/>
+          </a:fillRef>
+          <a:effectRef idx="0">
+            <a:schemeClr val="accent1"/>
+          </a:effectRef>
+          <a:fontRef idx="minor">
+            <a:schemeClr val="tx1"/>
+          </a:fontRef>
+        </p:style>
+      </p:cxnSp>
+      <p:sp>
+        <p:nvSpPr>
+          <p:cNvPr id="8" name="正方形/長方形 7"/>
+          <p:cNvSpPr/>
+          <p:nvPr/>
+        </p:nvSpPr>
+        <p:spPr>
+          <a:xfrm>
+            <a:off x="4175760" y="3589020"/>
+            <a:ext cx="182880" cy="167640"/>
+          </a:xfrm>
+          <a:prstGeom prst="rect">
+            <a:avLst/>
+          </a:prstGeom>
+          <a:noFill/>
+          <a:ln w="38100">
+            <a:solidFill>
+              <a:srgbClr val="FF0000"/>
+            </a:solidFill>
+          </a:ln>
+        </p:spPr>
+        <p:style>
+          <a:lnRef idx="2">
+            <a:schemeClr val="accent1">
+              <a:shade val="50000"/>
+            </a:schemeClr>
+          </a:lnRef>
+          <a:fillRef idx="1">
+            <a:schemeClr val="accent1"/>
+          </a:fillRef>
+          <a:effectRef idx="0">
+            <a:schemeClr val="accent1"/>
+          </a:effectRef>
+          <a:fontRef idx="minor">
+            <a:schemeClr val="lt1"/>
+          </a:fontRef>
+        </p:style>
+        <p:txBody>
+          <a:bodyPr rtlCol="0" anchor="ctr"/>
+          <a:lstStyle/>
+          <a:p>
+            <a:pPr algn="ctr"/>
+            <a:endParaRPr kumimoji="1" lang="ja-JP" altLang="en-US"/>
+          </a:p>
+        </p:txBody>
+      </p:sp>
+      <p:pic>
+        <p:nvPicPr>
+          <p:cNvPr id="11" name="図 10"/>
+          <p:cNvPicPr>
+            <a:picLocks noChangeAspect="1"/>
+          </p:cNvPicPr>
+          <p:nvPr/>
+        </p:nvPicPr>
+        <p:blipFill>
+          <a:blip r:embed="rId4"/>
+          <a:stretch>
+            <a:fillRect/>
+          </a:stretch>
+        </p:blipFill>
+        <p:spPr>
+          <a:xfrm>
+            <a:off x="5016357" y="663045"/>
+            <a:ext cx="3979053" cy="3861330"/>
+          </a:xfrm>
+          <a:prstGeom prst="rect">
+            <a:avLst/>
+          </a:prstGeom>
+        </p:spPr>
+      </p:pic>
+      <p:cxnSp>
+        <p:nvCxnSpPr>
+          <p:cNvPr id="9" name="直線矢印コネクタ 8"/>
+          <p:cNvCxnSpPr/>
+          <p:nvPr/>
+        </p:nvCxnSpPr>
+        <p:spPr>
+          <a:xfrm flipV="1">
+            <a:off x="4358640" y="1990725"/>
+            <a:ext cx="803910" cy="1682117"/>
+          </a:xfrm>
+          <a:prstGeom prst="straightConnector1">
+            <a:avLst/>
+          </a:prstGeom>
+          <a:ln w="38100">
+            <a:solidFill>
+              <a:srgbClr val="FF0000"/>
+            </a:solidFill>
+            <a:tailEnd type="triangle"/>
+          </a:ln>
+        </p:spPr>
+        <p:style>
+          <a:lnRef idx="1">
+            <a:schemeClr val="accent1"/>
+          </a:lnRef>
+          <a:fillRef idx="0">
+            <a:schemeClr val="accent1"/>
+          </a:fillRef>
+          <a:effectRef idx="0">
+            <a:schemeClr val="accent1"/>
+          </a:effectRef>
+          <a:fontRef idx="minor">
+            <a:schemeClr val="tx1"/>
+          </a:fontRef>
+        </p:style>
+      </p:cxnSp>
+      <p:sp>
+        <p:nvSpPr>
+          <p:cNvPr id="13" name="正方形/長方形 12"/>
+          <p:cNvSpPr/>
+          <p:nvPr/>
+        </p:nvSpPr>
+        <p:spPr>
+          <a:xfrm>
+            <a:off x="3454964" y="2190855"/>
+            <a:ext cx="720796" cy="180870"/>
+          </a:xfrm>
+          <a:prstGeom prst="rect">
+            <a:avLst/>
+          </a:prstGeom>
+          <a:noFill/>
+          <a:ln w="38100">
+            <a:solidFill>
+              <a:srgbClr val="FF0000"/>
+            </a:solidFill>
+          </a:ln>
+        </p:spPr>
+        <p:style>
+          <a:lnRef idx="2">
+            <a:schemeClr val="accent1">
+              <a:shade val="50000"/>
+            </a:schemeClr>
+          </a:lnRef>
+          <a:fillRef idx="1">
+            <a:schemeClr val="accent1"/>
+          </a:fillRef>
+          <a:effectRef idx="0">
+            <a:schemeClr val="accent1"/>
+          </a:effectRef>
+          <a:fontRef idx="minor">
+            <a:schemeClr val="lt1"/>
+          </a:fontRef>
+        </p:style>
+        <p:txBody>
+          <a:bodyPr rtlCol="0" anchor="ctr"/>
+          <a:lstStyle/>
+          <a:p>
+            <a:pPr algn="ctr"/>
+            <a:endParaRPr kumimoji="1" lang="ja-JP" altLang="en-US"/>
+          </a:p>
+        </p:txBody>
+      </p:sp>
+      <p:sp>
+        <p:nvSpPr>
+          <p:cNvPr id="14" name="正方形/長方形 13"/>
+          <p:cNvSpPr/>
+          <p:nvPr/>
+        </p:nvSpPr>
+        <p:spPr>
+          <a:xfrm>
+            <a:off x="6158158" y="971550"/>
+            <a:ext cx="1752600" cy="657224"/>
+          </a:xfrm>
+          <a:prstGeom prst="rect">
+            <a:avLst/>
+          </a:prstGeom>
+          <a:noFill/>
+          <a:ln w="38100">
+            <a:solidFill>
+              <a:srgbClr val="FF0000"/>
+            </a:solidFill>
+          </a:ln>
+        </p:spPr>
+        <p:style>
+          <a:lnRef idx="2">
+            <a:schemeClr val="accent1">
+              <a:shade val="50000"/>
+            </a:schemeClr>
+          </a:lnRef>
+          <a:fillRef idx="1">
+            <a:schemeClr val="accent1"/>
+          </a:fillRef>
+          <a:effectRef idx="0">
+            <a:schemeClr val="accent1"/>
+          </a:effectRef>
+          <a:fontRef idx="minor">
+            <a:schemeClr val="lt1"/>
+          </a:fontRef>
+        </p:style>
+        <p:txBody>
+          <a:bodyPr rtlCol="0" anchor="ctr"/>
+          <a:lstStyle/>
+          <a:p>
+            <a:pPr algn="ctr"/>
+            <a:endParaRPr kumimoji="1" lang="ja-JP" altLang="en-US"/>
+          </a:p>
+        </p:txBody>
+      </p:sp>
+      <p:cxnSp>
+        <p:nvCxnSpPr>
+          <p:cNvPr id="15" name="直線矢印コネクタ 14"/>
+          <p:cNvCxnSpPr/>
+          <p:nvPr/>
+        </p:nvCxnSpPr>
+        <p:spPr>
+          <a:xfrm>
+            <a:off x="4094583" y="2503231"/>
+            <a:ext cx="124992" cy="826604"/>
+          </a:xfrm>
+          <a:prstGeom prst="straightConnector1">
+            <a:avLst/>
+          </a:prstGeom>
+          <a:ln w="38100">
+            <a:solidFill>
+              <a:srgbClr val="FF0000"/>
+            </a:solidFill>
+            <a:tailEnd type="triangle"/>
+          </a:ln>
+        </p:spPr>
+        <p:style>
+          <a:lnRef idx="1">
+            <a:schemeClr val="accent1"/>
+          </a:lnRef>
+          <a:fillRef idx="0">
+            <a:schemeClr val="accent1"/>
+          </a:fillRef>
+          <a:effectRef idx="0">
+            <a:schemeClr val="accent1"/>
+          </a:effectRef>
+          <a:fontRef idx="minor">
+            <a:schemeClr val="tx1"/>
+          </a:fontRef>
+        </p:style>
+      </p:cxnSp>
+    </p:spTree>
+    <p:extLst>
+      <p:ext uri="{BB962C8B-B14F-4D97-AF65-F5344CB8AC3E}">
+        <p14:creationId xmlns:p14="http://schemas.microsoft.com/office/powerpoint/2010/main" val="2903941090"/>
+      </p:ext>
+    </p:extLst>
+  </p:cSld>
+  <p:clrMapOvr>
+    <a:masterClrMapping/>
+  </p:clrMapOvr>
+</p:sld>
+</file>
+
+<file path=ppt/slides/slide5.xml><?xml version="1.0" encoding="utf-8"?>
+<p:sld xmlns:a="http://schemas.openxmlformats.org/drawingml/2006/main" xmlns:r="http://schemas.openxmlformats.org/officeDocument/2006/relationships" xmlns:p="http://schemas.openxmlformats.org/presentationml/2006/main">
+  <p:cSld>
+    <p:spTree>
+      <p:nvGrpSpPr>
+        <p:cNvPr id="1" name=""/>
+        <p:cNvGrpSpPr/>
+        <p:nvPr/>
+      </p:nvGrpSpPr>
+      <p:grpSpPr>
+        <a:xfrm>
+          <a:off x="0" y="0"/>
+          <a:ext cx="0" cy="0"/>
+          <a:chOff x="0" y="0"/>
+          <a:chExt cx="0" cy="0"/>
+        </a:xfrm>
+      </p:grpSpPr>
+      <p:pic>
+        <p:nvPicPr>
+          <p:cNvPr id="3" name="図 2"/>
+          <p:cNvPicPr>
+            <a:picLocks noChangeAspect="1"/>
+          </p:cNvPicPr>
+          <p:nvPr/>
+        </p:nvPicPr>
+        <p:blipFill>
+          <a:blip r:embed="rId2"/>
+          <a:stretch>
+            <a:fillRect/>
+          </a:stretch>
+        </p:blipFill>
+        <p:spPr>
+          <a:xfrm>
+            <a:off x="0" y="1511889"/>
+            <a:ext cx="4267200" cy="2691221"/>
+          </a:xfrm>
+          <a:prstGeom prst="rect">
+            <a:avLst/>
+          </a:prstGeom>
+        </p:spPr>
+      </p:pic>
+      <p:pic>
+        <p:nvPicPr>
+          <p:cNvPr id="4" name="図 3"/>
+          <p:cNvPicPr>
+            <a:picLocks noChangeAspect="1"/>
+          </p:cNvPicPr>
+          <p:nvPr/>
+        </p:nvPicPr>
+        <p:blipFill rotWithShape="1">
+          <a:blip r:embed="rId3"/>
+          <a:srcRect r="67813" b="26562"/>
+          <a:stretch/>
+        </p:blipFill>
+        <p:spPr>
+          <a:xfrm>
+            <a:off x="4572000" y="1272369"/>
+            <a:ext cx="3086100" cy="2816441"/>
+          </a:xfrm>
+          <a:prstGeom prst="rect">
+            <a:avLst/>
+          </a:prstGeom>
+        </p:spPr>
+      </p:pic>
+      <p:pic>
+        <p:nvPicPr>
+          <p:cNvPr id="5" name="図 4"/>
+          <p:cNvPicPr>
+            <a:picLocks noChangeAspect="1"/>
+          </p:cNvPicPr>
+          <p:nvPr/>
+        </p:nvPicPr>
+        <p:blipFill>
+          <a:blip r:embed="rId4"/>
+          <a:stretch>
+            <a:fillRect/>
+          </a:stretch>
+        </p:blipFill>
+        <p:spPr>
+          <a:xfrm>
+            <a:off x="6231227" y="1511889"/>
+            <a:ext cx="2671473" cy="3381375"/>
+          </a:xfrm>
+          <a:prstGeom prst="rect">
+            <a:avLst/>
+          </a:prstGeom>
+        </p:spPr>
+      </p:pic>
+      <p:cxnSp>
+        <p:nvCxnSpPr>
+          <p:cNvPr id="7" name="直線矢印コネクタ 6"/>
+          <p:cNvCxnSpPr/>
+          <p:nvPr/>
+        </p:nvCxnSpPr>
+        <p:spPr>
+          <a:xfrm flipV="1">
+            <a:off x="5892800" y="2057400"/>
+            <a:ext cx="508000" cy="1145176"/>
+          </a:xfrm>
+          <a:prstGeom prst="straightConnector1">
+            <a:avLst/>
+          </a:prstGeom>
+          <a:ln w="38100">
+            <a:solidFill>
+              <a:srgbClr val="FF0000"/>
+            </a:solidFill>
+            <a:tailEnd type="triangle"/>
+          </a:ln>
+        </p:spPr>
+        <p:style>
+          <a:lnRef idx="1">
+            <a:schemeClr val="accent1"/>
+          </a:lnRef>
+          <a:fillRef idx="0">
+            <a:schemeClr val="accent1"/>
+          </a:fillRef>
+          <a:effectRef idx="0">
+            <a:schemeClr val="accent1"/>
+          </a:effectRef>
+          <a:fontRef idx="minor">
+            <a:schemeClr val="tx1"/>
+          </a:fontRef>
+        </p:style>
+      </p:cxnSp>
+      <p:sp>
+        <p:nvSpPr>
+          <p:cNvPr id="8" name="正方形/長方形 7"/>
+          <p:cNvSpPr/>
+          <p:nvPr/>
+        </p:nvSpPr>
+        <p:spPr>
+          <a:xfrm>
+            <a:off x="2824177" y="4088811"/>
+            <a:ext cx="309548" cy="114300"/>
+          </a:xfrm>
+          <a:prstGeom prst="rect">
+            <a:avLst/>
+          </a:prstGeom>
+          <a:noFill/>
+          <a:ln w="38100">
+            <a:solidFill>
+              <a:srgbClr val="FF0000"/>
+            </a:solidFill>
+          </a:ln>
+        </p:spPr>
+        <p:style>
+          <a:lnRef idx="2">
+            <a:schemeClr val="accent1">
+              <a:shade val="50000"/>
+            </a:schemeClr>
+          </a:lnRef>
+          <a:fillRef idx="1">
+            <a:schemeClr val="accent1"/>
+          </a:fillRef>
+          <a:effectRef idx="0">
+            <a:schemeClr val="accent1"/>
+          </a:effectRef>
+          <a:fontRef idx="minor">
+            <a:schemeClr val="lt1"/>
+          </a:fontRef>
+        </p:style>
+        <p:txBody>
+          <a:bodyPr rtlCol="0" anchor="ctr"/>
+          <a:lstStyle/>
+          <a:p>
+            <a:pPr algn="ctr"/>
+            <a:endParaRPr kumimoji="1" lang="ja-JP" altLang="en-US"/>
+          </a:p>
+        </p:txBody>
+      </p:sp>
+    </p:spTree>
+    <p:extLst>
+      <p:ext uri="{BB962C8B-B14F-4D97-AF65-F5344CB8AC3E}">
+        <p14:creationId xmlns:p14="http://schemas.microsoft.com/office/powerpoint/2010/main" val="968690532"/>
+      </p:ext>
+    </p:extLst>
+  </p:cSld>
+  <p:clrMapOvr>
+    <a:masterClrMapping/>
+  </p:clrMapOvr>
+</p:sld>
+</file>
+
+<file path=ppt/slides/slide6.xml><?xml version="1.0" encoding="utf-8"?>
+<p:sld xmlns:a="http://schemas.openxmlformats.org/drawingml/2006/main" xmlns:r="http://schemas.openxmlformats.org/officeDocument/2006/relationships" xmlns:p="http://schemas.openxmlformats.org/presentationml/2006/main">
+  <p:cSld>
+    <p:spTree>
+      <p:nvGrpSpPr>
+        <p:cNvPr id="1" name=""/>
+        <p:cNvGrpSpPr/>
+        <p:nvPr/>
+      </p:nvGrpSpPr>
+      <p:grpSpPr>
+        <a:xfrm>
+          <a:off x="0" y="0"/>
+          <a:ext cx="0" cy="0"/>
+          <a:chOff x="0" y="0"/>
+          <a:chExt cx="0" cy="0"/>
+        </a:xfrm>
+      </p:grpSpPr>
+      <p:sp>
+        <p:nvSpPr>
+          <p:cNvPr id="2" name="タイトル 1"/>
+          <p:cNvSpPr>
+            <a:spLocks noGrp="1"/>
+          </p:cNvSpPr>
+          <p:nvPr>
+            <p:ph type="title"/>
+          </p:nvPr>
+        </p:nvSpPr>
+        <p:spPr/>
+        <p:txBody>
+          <a:bodyPr>
+            <a:normAutofit fontScale="90000"/>
+          </a:bodyPr>
+          <a:lstStyle/>
+          <a:p>
+            <a:r>
+              <a:rPr lang="ja-JP" altLang="en-US" dirty="0"/>
+              <a:t>ポリゴン</a:t>
+            </a:r>
+            <a:r>
+              <a:rPr lang="ja-JP" altLang="en-US" dirty="0" smtClean="0"/>
+              <a:t>の分割</a:t>
+            </a:r>
+            <a:endParaRPr kumimoji="1" lang="ja-JP" altLang="en-US" dirty="0"/>
+          </a:p>
+        </p:txBody>
+      </p:sp>
+      <p:pic>
+        <p:nvPicPr>
+          <p:cNvPr id="3" name="図 2"/>
+          <p:cNvPicPr>
+            <a:picLocks noChangeAspect="1"/>
+          </p:cNvPicPr>
+          <p:nvPr/>
+        </p:nvPicPr>
+        <p:blipFill rotWithShape="1">
+          <a:blip r:embed="rId2"/>
+          <a:srcRect r="84167" b="22005"/>
+          <a:stretch/>
+        </p:blipFill>
+        <p:spPr>
+          <a:xfrm>
+            <a:off x="371475" y="800100"/>
+            <a:ext cx="2371725" cy="4673234"/>
+          </a:xfrm>
+          <a:prstGeom prst="rect">
+            <a:avLst/>
+          </a:prstGeom>
+        </p:spPr>
+      </p:pic>
+      <p:sp>
+        <p:nvSpPr>
+          <p:cNvPr id="4" name="正方形/長方形 3"/>
+          <p:cNvSpPr/>
+          <p:nvPr/>
+        </p:nvSpPr>
+        <p:spPr>
+          <a:xfrm>
+            <a:off x="1481383" y="4648200"/>
+            <a:ext cx="709367" cy="133350"/>
+          </a:xfrm>
+          <a:prstGeom prst="rect">
+            <a:avLst/>
+          </a:prstGeom>
+          <a:noFill/>
+          <a:ln w="38100">
+            <a:solidFill>
+              <a:srgbClr val="FF0000"/>
+            </a:solidFill>
+          </a:ln>
+        </p:spPr>
+        <p:style>
+          <a:lnRef idx="2">
+            <a:schemeClr val="accent1">
+              <a:shade val="50000"/>
+            </a:schemeClr>
+          </a:lnRef>
+          <a:fillRef idx="1">
+            <a:schemeClr val="accent1"/>
+          </a:fillRef>
+          <a:effectRef idx="0">
+            <a:schemeClr val="accent1"/>
+          </a:effectRef>
+          <a:fontRef idx="minor">
+            <a:schemeClr val="lt1"/>
+          </a:fontRef>
+        </p:style>
+        <p:txBody>
+          <a:bodyPr rtlCol="0" anchor="ctr"/>
+          <a:lstStyle/>
+          <a:p>
+            <a:pPr algn="ctr"/>
+            <a:endParaRPr kumimoji="1" lang="ja-JP" altLang="en-US"/>
+          </a:p>
+        </p:txBody>
+      </p:sp>
+      <p:sp>
+        <p:nvSpPr>
+          <p:cNvPr id="5" name="正方形/長方形 4"/>
+          <p:cNvSpPr/>
+          <p:nvPr/>
+        </p:nvSpPr>
+        <p:spPr>
+          <a:xfrm>
+            <a:off x="662234" y="1314449"/>
+            <a:ext cx="166442" cy="180975"/>
+          </a:xfrm>
+          <a:prstGeom prst="rect">
+            <a:avLst/>
+          </a:prstGeom>
+          <a:noFill/>
+          <a:ln w="38100">
+            <a:solidFill>
+              <a:srgbClr val="FF0000"/>
+            </a:solidFill>
+          </a:ln>
+        </p:spPr>
+        <p:style>
+          <a:lnRef idx="2">
+            <a:schemeClr val="accent1">
+              <a:shade val="50000"/>
+            </a:schemeClr>
+          </a:lnRef>
+          <a:fillRef idx="1">
+            <a:schemeClr val="accent1"/>
+          </a:fillRef>
+          <a:effectRef idx="0">
+            <a:schemeClr val="accent1"/>
+          </a:effectRef>
+          <a:fontRef idx="minor">
+            <a:schemeClr val="lt1"/>
+          </a:fontRef>
+        </p:style>
+        <p:txBody>
+          <a:bodyPr rtlCol="0" anchor="ctr"/>
+          <a:lstStyle/>
+          <a:p>
+            <a:pPr algn="ctr"/>
+            <a:endParaRPr kumimoji="1" lang="ja-JP" altLang="en-US"/>
+          </a:p>
+        </p:txBody>
+      </p:sp>
+      <p:pic>
+        <p:nvPicPr>
+          <p:cNvPr id="6" name="図 5"/>
+          <p:cNvPicPr>
+            <a:picLocks noChangeAspect="1"/>
+          </p:cNvPicPr>
+          <p:nvPr/>
+        </p:nvPicPr>
+        <p:blipFill rotWithShape="1">
+          <a:blip r:embed="rId3"/>
+          <a:srcRect t="8905" r="652" b="1189"/>
+          <a:stretch/>
+        </p:blipFill>
+        <p:spPr>
+          <a:xfrm>
+            <a:off x="2852984" y="1206134"/>
+            <a:ext cx="6133840" cy="4267200"/>
+          </a:xfrm>
+          <a:prstGeom prst="rect">
+            <a:avLst/>
+          </a:prstGeom>
+        </p:spPr>
+      </p:pic>
+      <p:sp>
+        <p:nvSpPr>
+          <p:cNvPr id="7" name="正方形/長方形 6"/>
+          <p:cNvSpPr/>
+          <p:nvPr/>
+        </p:nvSpPr>
+        <p:spPr>
+          <a:xfrm>
+            <a:off x="4938959" y="1387108"/>
+            <a:ext cx="166442" cy="180975"/>
+          </a:xfrm>
+          <a:prstGeom prst="rect">
+            <a:avLst/>
+          </a:prstGeom>
+          <a:noFill/>
+          <a:ln w="38100">
+            <a:solidFill>
+              <a:srgbClr val="FF0000"/>
+            </a:solidFill>
+          </a:ln>
+        </p:spPr>
+        <p:style>
+          <a:lnRef idx="2">
+            <a:schemeClr val="accent1">
+              <a:shade val="50000"/>
+            </a:schemeClr>
+          </a:lnRef>
+          <a:fillRef idx="1">
+            <a:schemeClr val="accent1"/>
+          </a:fillRef>
+          <a:effectRef idx="0">
+            <a:schemeClr val="accent1"/>
+          </a:effectRef>
+          <a:fontRef idx="minor">
+            <a:schemeClr val="lt1"/>
+          </a:fontRef>
+        </p:style>
+        <p:txBody>
+          <a:bodyPr rtlCol="0" anchor="ctr"/>
+          <a:lstStyle/>
+          <a:p>
+            <a:pPr algn="ctr"/>
+            <a:endParaRPr kumimoji="1" lang="ja-JP" altLang="en-US"/>
+          </a:p>
+        </p:txBody>
+      </p:sp>
+      <p:pic>
+        <p:nvPicPr>
+          <p:cNvPr id="8" name="図 7"/>
+          <p:cNvPicPr>
+            <a:picLocks noChangeAspect="1"/>
+          </p:cNvPicPr>
+          <p:nvPr/>
+        </p:nvPicPr>
+        <p:blipFill rotWithShape="1">
+          <a:blip r:embed="rId3"/>
+          <a:srcRect l="33778" t="12856" r="63658" b="83889"/>
+          <a:stretch/>
+        </p:blipFill>
+        <p:spPr>
+          <a:xfrm>
+            <a:off x="5555696" y="990600"/>
+            <a:ext cx="683179" cy="666750"/>
+          </a:xfrm>
+          <a:prstGeom prst="rect">
+            <a:avLst/>
+          </a:prstGeom>
+          <a:ln w="38100">
+            <a:solidFill>
+              <a:schemeClr val="bg1">
+                <a:lumMod val="65000"/>
+              </a:schemeClr>
+            </a:solidFill>
+          </a:ln>
+        </p:spPr>
+      </p:pic>
+      <p:pic>
+        <p:nvPicPr>
+          <p:cNvPr id="9" name="図 8"/>
+          <p:cNvPicPr>
+            <a:picLocks noChangeAspect="1"/>
+          </p:cNvPicPr>
+          <p:nvPr/>
+        </p:nvPicPr>
+        <p:blipFill>
+          <a:blip r:embed="rId4"/>
+          <a:stretch>
+            <a:fillRect/>
+          </a:stretch>
+        </p:blipFill>
+        <p:spPr>
+          <a:xfrm>
+            <a:off x="6534383" y="4574443"/>
+            <a:ext cx="2562225" cy="1114425"/>
+          </a:xfrm>
+          <a:prstGeom prst="rect">
+            <a:avLst/>
+          </a:prstGeom>
+        </p:spPr>
+      </p:pic>
+      <p:cxnSp>
+        <p:nvCxnSpPr>
+          <p:cNvPr id="10" name="直線矢印コネクタ 9"/>
+          <p:cNvCxnSpPr/>
+          <p:nvPr/>
+        </p:nvCxnSpPr>
+        <p:spPr>
+          <a:xfrm flipV="1">
+            <a:off x="2660651" y="1404936"/>
+            <a:ext cx="2245642" cy="373786"/>
+          </a:xfrm>
+          <a:prstGeom prst="straightConnector1">
+            <a:avLst/>
+          </a:prstGeom>
+          <a:ln w="38100">
+            <a:solidFill>
+              <a:srgbClr val="FF0000"/>
+            </a:solidFill>
+            <a:tailEnd type="triangle"/>
+          </a:ln>
+        </p:spPr>
+        <p:style>
+          <a:lnRef idx="1">
+            <a:schemeClr val="accent1"/>
+          </a:lnRef>
+          <a:fillRef idx="0">
+            <a:schemeClr val="accent1"/>
+          </a:fillRef>
+          <a:effectRef idx="0">
+            <a:schemeClr val="accent1"/>
+          </a:effectRef>
+          <a:fontRef idx="minor">
+            <a:schemeClr val="tx1"/>
+          </a:fontRef>
+        </p:style>
+      </p:cxnSp>
+      <p:cxnSp>
+        <p:nvCxnSpPr>
+          <p:cNvPr id="12" name="直線矢印コネクタ 11"/>
+          <p:cNvCxnSpPr/>
+          <p:nvPr/>
+        </p:nvCxnSpPr>
+        <p:spPr>
+          <a:xfrm>
+            <a:off x="5981933" y="4511760"/>
+            <a:ext cx="600075" cy="566844"/>
+          </a:xfrm>
+          <a:prstGeom prst="straightConnector1">
+            <a:avLst/>
+          </a:prstGeom>
+          <a:ln w="38100">
+            <a:solidFill>
+              <a:srgbClr val="FF0000"/>
+            </a:solidFill>
+            <a:tailEnd type="triangle"/>
+          </a:ln>
+        </p:spPr>
+        <p:style>
+          <a:lnRef idx="1">
+            <a:schemeClr val="accent1"/>
+          </a:lnRef>
+          <a:fillRef idx="0">
+            <a:schemeClr val="accent1"/>
+          </a:fillRef>
+          <a:effectRef idx="0">
+            <a:schemeClr val="accent1"/>
+          </a:effectRef>
+          <a:fontRef idx="minor">
+            <a:schemeClr val="tx1"/>
+          </a:fontRef>
+        </p:style>
+      </p:cxnSp>
+    </p:spTree>
+    <p:extLst>
+      <p:ext uri="{BB962C8B-B14F-4D97-AF65-F5344CB8AC3E}">
+        <p14:creationId xmlns:p14="http://schemas.microsoft.com/office/powerpoint/2010/main" val="2905356669"/>
+      </p:ext>
+    </p:extLst>
+  </p:cSld>
+  <p:clrMapOvr>
+    <a:masterClrMapping/>
+  </p:clrMapOvr>
+</p:sld>
+</file>
+
+<file path=ppt/slides/slide7.xml><?xml version="1.0" encoding="utf-8"?>
+<p:sld xmlns:a="http://schemas.openxmlformats.org/drawingml/2006/main" xmlns:r="http://schemas.openxmlformats.org/officeDocument/2006/relationships" xmlns:p="http://schemas.openxmlformats.org/presentationml/2006/main">
+  <p:cSld>
+    <p:spTree>
+      <p:nvGrpSpPr>
+        <p:cNvPr id="1" name=""/>
+        <p:cNvGrpSpPr/>
+        <p:nvPr/>
+      </p:nvGrpSpPr>
+      <p:grpSpPr>
+        <a:xfrm>
+          <a:off x="0" y="0"/>
+          <a:ext cx="0" cy="0"/>
+          <a:chOff x="0" y="0"/>
+          <a:chExt cx="0" cy="0"/>
+        </a:xfrm>
+      </p:grpSpPr>
+      <p:sp>
+        <p:nvSpPr>
+          <p:cNvPr id="2" name="タイトル 1"/>
+          <p:cNvSpPr>
+            <a:spLocks noGrp="1"/>
+          </p:cNvSpPr>
+          <p:nvPr>
+            <p:ph type="title"/>
+          </p:nvPr>
+        </p:nvSpPr>
+        <p:spPr/>
+        <p:txBody>
+          <a:bodyPr>
+            <a:normAutofit fontScale="90000"/>
+          </a:bodyPr>
+          <a:lstStyle/>
+          <a:p>
+            <a:r>
+              <a:rPr lang="ja-JP" altLang="en-US" dirty="0"/>
+              <a:t>ラインに沿ってポイント作成</a:t>
+            </a:r>
+            <a:endParaRPr kumimoji="1" lang="ja-JP" altLang="en-US" dirty="0"/>
+          </a:p>
+        </p:txBody>
+      </p:sp>
+      <p:pic>
+        <p:nvPicPr>
+          <p:cNvPr id="3" name="図 2"/>
+          <p:cNvPicPr>
+            <a:picLocks noChangeAspect="1"/>
+          </p:cNvPicPr>
+          <p:nvPr/>
+        </p:nvPicPr>
+        <p:blipFill>
+          <a:blip r:embed="rId2"/>
+          <a:stretch>
+            <a:fillRect/>
+          </a:stretch>
+        </p:blipFill>
+        <p:spPr>
+          <a:xfrm>
+            <a:off x="109538" y="1381124"/>
+            <a:ext cx="4413204" cy="3145631"/>
+          </a:xfrm>
+          <a:prstGeom prst="rect">
+            <a:avLst/>
+          </a:prstGeom>
+        </p:spPr>
+      </p:pic>
+      <p:pic>
+        <p:nvPicPr>
+          <p:cNvPr id="6" name="図 5"/>
+          <p:cNvPicPr>
+            <a:picLocks noChangeAspect="1"/>
+          </p:cNvPicPr>
+          <p:nvPr/>
+        </p:nvPicPr>
+        <p:blipFill>
+          <a:blip r:embed="rId3"/>
+          <a:stretch>
+            <a:fillRect/>
+          </a:stretch>
+        </p:blipFill>
+        <p:spPr>
+          <a:xfrm>
+            <a:off x="4737100" y="1381123"/>
+            <a:ext cx="4091878" cy="3145631"/>
+          </a:xfrm>
+          <a:prstGeom prst="rect">
+            <a:avLst/>
+          </a:prstGeom>
+        </p:spPr>
+      </p:pic>
+      <p:sp>
+        <p:nvSpPr>
+          <p:cNvPr id="7" name="正方形/長方形 6"/>
+          <p:cNvSpPr/>
+          <p:nvPr/>
+        </p:nvSpPr>
+        <p:spPr>
+          <a:xfrm>
+            <a:off x="6996359" y="1869708"/>
+            <a:ext cx="166442" cy="180975"/>
+          </a:xfrm>
+          <a:prstGeom prst="rect">
+            <a:avLst/>
+          </a:prstGeom>
+          <a:noFill/>
+          <a:ln w="38100">
+            <a:solidFill>
+              <a:srgbClr val="FF0000"/>
+            </a:solidFill>
+          </a:ln>
+        </p:spPr>
+        <p:style>
+          <a:lnRef idx="2">
+            <a:schemeClr val="accent1">
+              <a:shade val="50000"/>
+            </a:schemeClr>
+          </a:lnRef>
+          <a:fillRef idx="1">
+            <a:schemeClr val="accent1"/>
+          </a:fillRef>
+          <a:effectRef idx="0">
+            <a:schemeClr val="accent1"/>
+          </a:effectRef>
+          <a:fontRef idx="minor">
+            <a:schemeClr val="lt1"/>
+          </a:fontRef>
+        </p:style>
+        <p:txBody>
+          <a:bodyPr rtlCol="0" anchor="ctr"/>
+          <a:lstStyle/>
+          <a:p>
+            <a:pPr algn="ctr"/>
+            <a:endParaRPr kumimoji="1" lang="ja-JP" altLang="en-US"/>
+          </a:p>
+        </p:txBody>
+      </p:sp>
+      <p:pic>
+        <p:nvPicPr>
+          <p:cNvPr id="8" name="図 7"/>
+          <p:cNvPicPr>
+            <a:picLocks noChangeAspect="1"/>
+          </p:cNvPicPr>
+          <p:nvPr/>
+        </p:nvPicPr>
+        <p:blipFill rotWithShape="1">
+          <a:blip r:embed="rId3"/>
+          <a:srcRect l="55623" t="16454" r="41177" b="79978"/>
+          <a:stretch/>
+        </p:blipFill>
+        <p:spPr>
+          <a:xfrm>
+            <a:off x="7472892" y="1287095"/>
+            <a:ext cx="785283" cy="673100"/>
+          </a:xfrm>
+          <a:prstGeom prst="rect">
+            <a:avLst/>
+          </a:prstGeom>
+          <a:ln w="38100">
+            <a:solidFill>
+              <a:schemeClr val="bg1">
+                <a:lumMod val="65000"/>
+              </a:schemeClr>
+            </a:solidFill>
+          </a:ln>
+        </p:spPr>
+      </p:pic>
+    </p:spTree>
+    <p:extLst>
+      <p:ext uri="{BB962C8B-B14F-4D97-AF65-F5344CB8AC3E}">
+        <p14:creationId xmlns:p14="http://schemas.microsoft.com/office/powerpoint/2010/main" val="1608152004"/>
+      </p:ext>
+    </p:extLst>
+  </p:cSld>
+  <p:clrMapOvr>
+    <a:masterClrMapping/>
+  </p:clrMapOvr>
+</p:sld>
+</file>
+
+<file path=ppt/slides/slide8.xml><?xml version="1.0" encoding="utf-8"?>
+<p:sld xmlns:a="http://schemas.openxmlformats.org/drawingml/2006/main" xmlns:r="http://schemas.openxmlformats.org/officeDocument/2006/relationships" xmlns:p="http://schemas.openxmlformats.org/presentationml/2006/main">
+  <p:cSld>
+    <p:spTree>
+      <p:nvGrpSpPr>
+        <p:cNvPr id="1" name=""/>
+        <p:cNvGrpSpPr/>
+        <p:nvPr/>
+      </p:nvGrpSpPr>
+      <p:grpSpPr>
+        <a:xfrm>
+          <a:off x="0" y="0"/>
+          <a:ext cx="0" cy="0"/>
+          <a:chOff x="0" y="0"/>
+          <a:chExt cx="0" cy="0"/>
+        </a:xfrm>
+      </p:grpSpPr>
+      <p:pic>
+        <p:nvPicPr>
+          <p:cNvPr id="4" name="図 3"/>
+          <p:cNvPicPr>
+            <a:picLocks noChangeAspect="1"/>
+          </p:cNvPicPr>
+          <p:nvPr/>
+        </p:nvPicPr>
+        <p:blipFill>
+          <a:blip r:embed="rId2"/>
+          <a:stretch>
+            <a:fillRect/>
+          </a:stretch>
+        </p:blipFill>
+        <p:spPr>
+          <a:xfrm>
+            <a:off x="95723" y="1614487"/>
+            <a:ext cx="4425477" cy="2486025"/>
+          </a:xfrm>
+          <a:prstGeom prst="rect">
+            <a:avLst/>
+          </a:prstGeom>
+        </p:spPr>
+      </p:pic>
+      <p:pic>
+        <p:nvPicPr>
+          <p:cNvPr id="5" name="図 4"/>
+          <p:cNvPicPr>
+            <a:picLocks noChangeAspect="1"/>
+          </p:cNvPicPr>
+          <p:nvPr/>
+        </p:nvPicPr>
+        <p:blipFill rotWithShape="1">
+          <a:blip r:embed="rId3"/>
+          <a:srcRect t="1" r="78706" b="32170"/>
+          <a:stretch/>
+        </p:blipFill>
+        <p:spPr>
+          <a:xfrm>
+            <a:off x="4673600" y="1614487"/>
+            <a:ext cx="2171700" cy="2767013"/>
+          </a:xfrm>
+          <a:prstGeom prst="rect">
+            <a:avLst/>
+          </a:prstGeom>
+        </p:spPr>
+      </p:pic>
+      <p:pic>
+        <p:nvPicPr>
+          <p:cNvPr id="6" name="図 5"/>
+          <p:cNvPicPr>
+            <a:picLocks noChangeAspect="1"/>
+          </p:cNvPicPr>
+          <p:nvPr/>
+        </p:nvPicPr>
+        <p:blipFill>
+          <a:blip r:embed="rId4"/>
+          <a:stretch>
+            <a:fillRect/>
+          </a:stretch>
+        </p:blipFill>
+        <p:spPr>
+          <a:xfrm>
+            <a:off x="6500089" y="1406128"/>
+            <a:ext cx="2515323" cy="3183730"/>
+          </a:xfrm>
+          <a:prstGeom prst="rect">
+            <a:avLst/>
+          </a:prstGeom>
+        </p:spPr>
+      </p:pic>
+      <p:sp>
+        <p:nvSpPr>
+          <p:cNvPr id="7" name="正方形/長方形 6"/>
+          <p:cNvSpPr/>
+          <p:nvPr/>
+        </p:nvSpPr>
+        <p:spPr>
+          <a:xfrm>
+            <a:off x="3872158" y="2060208"/>
+            <a:ext cx="483941" cy="365492"/>
+          </a:xfrm>
+          <a:prstGeom prst="rect">
+            <a:avLst/>
+          </a:prstGeom>
+          <a:noFill/>
+          <a:ln w="38100">
+            <a:solidFill>
+              <a:srgbClr val="FF0000"/>
+            </a:solidFill>
+          </a:ln>
+        </p:spPr>
+        <p:style>
+          <a:lnRef idx="2">
+            <a:schemeClr val="accent1">
+              <a:shade val="50000"/>
+            </a:schemeClr>
+          </a:lnRef>
+          <a:fillRef idx="1">
+            <a:schemeClr val="accent1"/>
+          </a:fillRef>
+          <a:effectRef idx="0">
+            <a:schemeClr val="accent1"/>
+          </a:effectRef>
+          <a:fontRef idx="minor">
+            <a:schemeClr val="lt1"/>
+          </a:fontRef>
+        </p:style>
+        <p:txBody>
+          <a:bodyPr rtlCol="0" anchor="ctr"/>
+          <a:lstStyle/>
+          <a:p>
+            <a:pPr algn="ctr"/>
+            <a:endParaRPr kumimoji="1" lang="ja-JP" altLang="en-US"/>
+          </a:p>
+        </p:txBody>
+      </p:sp>
+      <p:cxnSp>
+        <p:nvCxnSpPr>
+          <p:cNvPr id="8" name="直線矢印コネクタ 7"/>
+          <p:cNvCxnSpPr/>
+          <p:nvPr/>
+        </p:nvCxnSpPr>
+        <p:spPr>
+          <a:xfrm flipV="1">
+            <a:off x="6013451" y="2242954"/>
+            <a:ext cx="486638" cy="1326468"/>
+          </a:xfrm>
+          <a:prstGeom prst="straightConnector1">
+            <a:avLst/>
+          </a:prstGeom>
+          <a:ln w="38100">
+            <a:solidFill>
+              <a:srgbClr val="FF0000"/>
+            </a:solidFill>
+            <a:tailEnd type="triangle"/>
+          </a:ln>
+        </p:spPr>
+        <p:style>
+          <a:lnRef idx="1">
+            <a:schemeClr val="accent1"/>
+          </a:lnRef>
+          <a:fillRef idx="0">
+            <a:schemeClr val="accent1"/>
+          </a:fillRef>
+          <a:effectRef idx="0">
+            <a:schemeClr val="accent1"/>
+          </a:effectRef>
+          <a:fontRef idx="minor">
+            <a:schemeClr val="tx1"/>
+          </a:fontRef>
+        </p:style>
+      </p:cxnSp>
+    </p:spTree>
+    <p:extLst>
+      <p:ext uri="{BB962C8B-B14F-4D97-AF65-F5344CB8AC3E}">
+        <p14:creationId xmlns:p14="http://schemas.microsoft.com/office/powerpoint/2010/main" val="1844631085"/>
+      </p:ext>
+    </p:extLst>
+  </p:cSld>
+  <p:clrMapOvr>
+    <a:masterClrMapping/>
+  </p:clrMapOvr>
+</p:sld>
+</file>
+
+<file path=ppt/slides/slide9.xml><?xml version="1.0" encoding="utf-8"?>
+<p:sld xmlns:a="http://schemas.openxmlformats.org/drawingml/2006/main" xmlns:r="http://schemas.openxmlformats.org/officeDocument/2006/relationships" xmlns:p="http://schemas.openxmlformats.org/presentationml/2006/main">
+  <p:cSld>
+    <p:spTree>
+      <p:nvGrpSpPr>
+        <p:cNvPr id="1" name=""/>
+        <p:cNvGrpSpPr/>
+        <p:nvPr/>
+      </p:nvGrpSpPr>
+      <p:grpSpPr>
+        <a:xfrm>
+          <a:off x="0" y="0"/>
+          <a:ext cx="0" cy="0"/>
+          <a:chOff x="0" y="0"/>
+          <a:chExt cx="0" cy="0"/>
+        </a:xfrm>
+      </p:grpSpPr>
+      <p:sp>
+        <p:nvSpPr>
+          <p:cNvPr id="2" name="タイトル 1"/>
+          <p:cNvSpPr>
+            <a:spLocks noGrp="1"/>
+          </p:cNvSpPr>
+          <p:nvPr>
+            <p:ph type="title"/>
+          </p:nvPr>
+        </p:nvSpPr>
+        <p:spPr/>
+        <p:txBody>
+          <a:bodyPr>
+            <a:normAutofit fontScale="90000"/>
+          </a:bodyPr>
+          <a:lstStyle/>
+          <a:p>
+            <a:r>
+              <a:rPr lang="ja-JP" altLang="en-US" dirty="0"/>
+              <a:t>条件式による属性の分類</a:t>
+            </a:r>
+            <a:endParaRPr kumimoji="1" lang="ja-JP" altLang="en-US" dirty="0"/>
+          </a:p>
+        </p:txBody>
+      </p:sp>
+      <p:sp>
+        <p:nvSpPr>
+          <p:cNvPr id="3" name="正方形/長方形 2"/>
+          <p:cNvSpPr/>
+          <p:nvPr/>
+        </p:nvSpPr>
+        <p:spPr>
+          <a:xfrm>
+            <a:off x="1143000" y="1473200"/>
+            <a:ext cx="1409700" cy="1384300"/>
+          </a:xfrm>
+          <a:prstGeom prst="rect">
+            <a:avLst/>
+          </a:prstGeom>
+          <a:noFill/>
+          <a:ln w="38100">
+            <a:solidFill>
+              <a:schemeClr val="tx1">
+                <a:lumMod val="75000"/>
+                <a:lumOff val="25000"/>
+              </a:schemeClr>
+            </a:solidFill>
+          </a:ln>
+        </p:spPr>
+        <p:style>
+          <a:lnRef idx="2">
+            <a:schemeClr val="accent1">
+              <a:shade val="50000"/>
+            </a:schemeClr>
+          </a:lnRef>
+          <a:fillRef idx="1">
+            <a:schemeClr val="accent1"/>
+          </a:fillRef>
+          <a:effectRef idx="0">
+            <a:schemeClr val="accent1"/>
+          </a:effectRef>
+          <a:fontRef idx="minor">
+            <a:schemeClr val="lt1"/>
+          </a:fontRef>
+        </p:style>
+        <p:txBody>
+          <a:bodyPr rtlCol="0" anchor="ctr"/>
+          <a:lstStyle/>
+          <a:p>
+            <a:pPr algn="ctr"/>
+            <a:endParaRPr kumimoji="1" lang="ja-JP" altLang="en-US"/>
+          </a:p>
+        </p:txBody>
+      </p:sp>
+      <p:sp>
+        <p:nvSpPr>
+          <p:cNvPr id="4" name="正方形/長方形 3"/>
+          <p:cNvSpPr/>
+          <p:nvPr/>
+        </p:nvSpPr>
+        <p:spPr>
+          <a:xfrm>
+            <a:off x="2552700" y="1473200"/>
+            <a:ext cx="1409700" cy="1384300"/>
+          </a:xfrm>
+          <a:prstGeom prst="rect">
+            <a:avLst/>
+          </a:prstGeom>
+          <a:noFill/>
+          <a:ln w="38100">
+            <a:solidFill>
+              <a:schemeClr val="tx1">
+                <a:lumMod val="75000"/>
+                <a:lumOff val="25000"/>
+              </a:schemeClr>
+            </a:solidFill>
+          </a:ln>
+        </p:spPr>
+        <p:style>
+          <a:lnRef idx="2">
+            <a:schemeClr val="accent1">
+              <a:shade val="50000"/>
+            </a:schemeClr>
+          </a:lnRef>
+          <a:fillRef idx="1">
+            <a:schemeClr val="accent1"/>
+          </a:fillRef>
+          <a:effectRef idx="0">
+            <a:schemeClr val="accent1"/>
+          </a:effectRef>
+          <a:fontRef idx="minor">
+            <a:schemeClr val="lt1"/>
+          </a:fontRef>
+        </p:style>
+        <p:txBody>
+          <a:bodyPr rtlCol="0" anchor="ctr"/>
+          <a:lstStyle/>
+          <a:p>
+            <a:pPr algn="ctr"/>
+            <a:endParaRPr kumimoji="1" lang="ja-JP" altLang="en-US"/>
+          </a:p>
+        </p:txBody>
+      </p:sp>
+      <p:sp>
+        <p:nvSpPr>
+          <p:cNvPr id="5" name="正方形/長方形 4"/>
+          <p:cNvSpPr/>
+          <p:nvPr/>
+        </p:nvSpPr>
+        <p:spPr>
+          <a:xfrm>
+            <a:off x="1143000" y="2857500"/>
+            <a:ext cx="1409700" cy="1384300"/>
+          </a:xfrm>
+          <a:prstGeom prst="rect">
+            <a:avLst/>
+          </a:prstGeom>
+          <a:noFill/>
+          <a:ln w="38100">
+            <a:solidFill>
+              <a:schemeClr val="tx1">
+                <a:lumMod val="75000"/>
+                <a:lumOff val="25000"/>
+              </a:schemeClr>
+            </a:solidFill>
+          </a:ln>
+        </p:spPr>
+        <p:style>
+          <a:lnRef idx="2">
+            <a:schemeClr val="accent1">
+              <a:shade val="50000"/>
+            </a:schemeClr>
+          </a:lnRef>
+          <a:fillRef idx="1">
+            <a:schemeClr val="accent1"/>
+          </a:fillRef>
+          <a:effectRef idx="0">
+            <a:schemeClr val="accent1"/>
+          </a:effectRef>
+          <a:fontRef idx="minor">
+            <a:schemeClr val="lt1"/>
+          </a:fontRef>
+        </p:style>
+        <p:txBody>
+          <a:bodyPr rtlCol="0" anchor="ctr"/>
+          <a:lstStyle/>
+          <a:p>
+            <a:pPr algn="ctr"/>
+            <a:endParaRPr kumimoji="1" lang="ja-JP" altLang="en-US"/>
+          </a:p>
+        </p:txBody>
+      </p:sp>
+      <p:sp>
+        <p:nvSpPr>
+          <p:cNvPr id="6" name="正方形/長方形 5"/>
+          <p:cNvSpPr/>
+          <p:nvPr/>
+        </p:nvSpPr>
+        <p:spPr>
+          <a:xfrm>
+            <a:off x="2552700" y="2857500"/>
+            <a:ext cx="1409700" cy="1384300"/>
+          </a:xfrm>
+          <a:prstGeom prst="rect">
+            <a:avLst/>
+          </a:prstGeom>
+          <a:noFill/>
+          <a:ln w="38100">
+            <a:solidFill>
+              <a:schemeClr val="tx1">
+                <a:lumMod val="75000"/>
+                <a:lumOff val="25000"/>
+              </a:schemeClr>
+            </a:solidFill>
+          </a:ln>
+        </p:spPr>
+        <p:style>
+          <a:lnRef idx="2">
+            <a:schemeClr val="accent1">
+              <a:shade val="50000"/>
+            </a:schemeClr>
+          </a:lnRef>
+          <a:fillRef idx="1">
+            <a:schemeClr val="accent1"/>
+          </a:fillRef>
+          <a:effectRef idx="0">
+            <a:schemeClr val="accent1"/>
+          </a:effectRef>
+          <a:fontRef idx="minor">
+            <a:schemeClr val="lt1"/>
+          </a:fontRef>
+        </p:style>
+        <p:txBody>
+          <a:bodyPr rtlCol="0" anchor="ctr"/>
+          <a:lstStyle/>
+          <a:p>
+            <a:pPr algn="ctr"/>
+            <a:endParaRPr kumimoji="1" lang="ja-JP" altLang="en-US"/>
+          </a:p>
+        </p:txBody>
+      </p:sp>
+      <p:graphicFrame>
+        <p:nvGraphicFramePr>
+          <p:cNvPr id="7" name="表 6"/>
+          <p:cNvGraphicFramePr>
+            <a:graphicFrameLocks noGrp="1"/>
+          </p:cNvGraphicFramePr>
+          <p:nvPr>
+            <p:extLst>
+              <p:ext uri="{D42A27DB-BD31-4B8C-83A1-F6EECF244321}">
+                <p14:modId xmlns:p14="http://schemas.microsoft.com/office/powerpoint/2010/main" val="2466180263"/>
+              </p:ext>
+            </p:extLst>
+          </p:nvPr>
+        </p:nvGraphicFramePr>
+        <p:xfrm>
+          <a:off x="4572000" y="1948934"/>
+          <a:ext cx="3324121" cy="1917700"/>
+        </p:xfrm>
+        <a:graphic>
+          <a:graphicData uri="http://schemas.openxmlformats.org/drawingml/2006/table">
+            <a:tbl>
+              <a:tblPr firstRow="1" bandRow="1">
+                <a:tableStyleId>{5C22544A-7EE6-4342-B048-85BDC9FD1C3A}</a:tableStyleId>
+              </a:tblPr>
+              <a:tblGrid>
+                <a:gridCol w="406400"/>
+                <a:gridCol w="559118"/>
+                <a:gridCol w="730568"/>
+                <a:gridCol w="889318"/>
+                <a:gridCol w="738717"/>
+              </a:tblGrid>
+              <a:tr h="383540">
+                <a:tc>
+                  <a:txBody>
+                    <a:bodyPr/>
+                    <a:lstStyle/>
+                    <a:p>
+                      <a:r>
+                        <a:rPr kumimoji="1" lang="en-US" altLang="ja-JP" dirty="0" smtClean="0"/>
+                        <a:t>Id</a:t>
+                      </a:r>
+                    </a:p>
+                  </a:txBody>
+                  <a:tcPr>
+                    <a:lnL w="12700" cap="flat" cmpd="sng" algn="ctr">
+                      <a:solidFill>
+                        <a:schemeClr val="tx1"/>
+                      </a:solidFill>
+                      <a:prstDash val="solid"/>
+                      <a:round/>
+                      <a:headEnd type="none" w="med" len="med"/>
+                      <a:tailEnd type="none" w="med" len="med"/>
+                    </a:lnL>
+                    <a:lnT w="12700" cap="flat" cmpd="sng" algn="ctr">
+                      <a:solidFill>
+                        <a:schemeClr val="tx1"/>
+                      </a:solidFill>
+                      <a:prstDash val="solid"/>
+                      <a:round/>
+                      <a:headEnd type="none" w="med" len="med"/>
+                      <a:tailEnd type="none" w="med" len="med"/>
+                    </a:lnT>
+                  </a:tcPr>
+                </a:tc>
+                <a:tc>
+                  <a:txBody>
+                    <a:bodyPr/>
+                    <a:lstStyle/>
+                    <a:p>
+                      <a:r>
+                        <a:rPr kumimoji="1" lang="ja-JP" altLang="en-US" dirty="0" smtClean="0"/>
+                        <a:t>米</a:t>
+                      </a:r>
+                      <a:r>
+                        <a:rPr kumimoji="1" lang="en-US" altLang="ja-JP" dirty="0" smtClean="0"/>
+                        <a:t>(t)</a:t>
+                      </a:r>
+                    </a:p>
+                  </a:txBody>
+                  <a:tcPr>
+                    <a:lnT w="12700" cap="flat" cmpd="sng" algn="ctr">
+                      <a:solidFill>
+                        <a:schemeClr val="tx1"/>
+                      </a:solidFill>
+                      <a:prstDash val="solid"/>
+                      <a:round/>
+                      <a:headEnd type="none" w="med" len="med"/>
+                      <a:tailEnd type="none" w="med" len="med"/>
+                    </a:lnT>
+                  </a:tcPr>
+                </a:tc>
+                <a:tc>
+                  <a:txBody>
+                    <a:bodyPr/>
+                    <a:lstStyle/>
+                    <a:p>
+                      <a:r>
+                        <a:rPr kumimoji="1" lang="ja-JP" altLang="en-US" dirty="0" smtClean="0"/>
+                        <a:t>野菜</a:t>
+                      </a:r>
+                      <a:r>
+                        <a:rPr kumimoji="1" lang="en-US" altLang="ja-JP" dirty="0" smtClean="0"/>
+                        <a:t>(t)</a:t>
+                      </a:r>
+                      <a:endParaRPr kumimoji="1" lang="ja-JP" altLang="en-US" dirty="0"/>
+                    </a:p>
+                  </a:txBody>
+                  <a:tcPr>
+                    <a:lnT w="12700" cap="flat" cmpd="sng" algn="ctr">
+                      <a:solidFill>
+                        <a:schemeClr val="tx1"/>
+                      </a:solidFill>
+                      <a:prstDash val="solid"/>
+                      <a:round/>
+                      <a:headEnd type="none" w="med" len="med"/>
+                      <a:tailEnd type="none" w="med" len="med"/>
+                    </a:lnT>
+                  </a:tcPr>
+                </a:tc>
+                <a:tc>
+                  <a:txBody>
+                    <a:bodyPr/>
+                    <a:lstStyle/>
+                    <a:p>
+                      <a:r>
+                        <a:rPr kumimoji="1" lang="ja-JP" altLang="en-US" dirty="0" smtClean="0"/>
+                        <a:t>その他</a:t>
+                      </a:r>
+                      <a:r>
+                        <a:rPr kumimoji="1" lang="en-US" altLang="ja-JP" dirty="0" smtClean="0"/>
+                        <a:t>(t)</a:t>
+                      </a:r>
+                      <a:endParaRPr kumimoji="1" lang="ja-JP" altLang="en-US" dirty="0"/>
+                    </a:p>
+                  </a:txBody>
+                  <a:tcPr>
+                    <a:lnT w="12700" cap="flat" cmpd="sng" algn="ctr">
+                      <a:solidFill>
+                        <a:schemeClr val="tx1"/>
+                      </a:solidFill>
+                      <a:prstDash val="solid"/>
+                      <a:round/>
+                      <a:headEnd type="none" w="med" len="med"/>
+                      <a:tailEnd type="none" w="med" len="med"/>
+                    </a:lnT>
+                  </a:tcPr>
+                </a:tc>
+                <a:tc>
+                  <a:txBody>
+                    <a:bodyPr/>
+                    <a:lstStyle/>
+                    <a:p>
+                      <a:r>
+                        <a:rPr kumimoji="1" lang="en-US" altLang="ja-JP" dirty="0" smtClean="0"/>
+                        <a:t>MAX</a:t>
+                      </a:r>
+                      <a:endParaRPr kumimoji="1" lang="ja-JP" altLang="en-US" dirty="0"/>
+                    </a:p>
+                  </a:txBody>
+                  <a:tcPr>
+                    <a:lnR w="12700" cap="flat" cmpd="sng" algn="ctr">
+                      <a:solidFill>
+                        <a:schemeClr val="tx1"/>
+                      </a:solidFill>
+                      <a:prstDash val="solid"/>
+                      <a:round/>
+                      <a:headEnd type="none" w="med" len="med"/>
+                      <a:tailEnd type="none" w="med" len="med"/>
+                    </a:lnR>
+                    <a:lnT w="12700" cap="flat" cmpd="sng" algn="ctr">
+                      <a:solidFill>
+                        <a:schemeClr val="tx1"/>
+                      </a:solidFill>
+                      <a:prstDash val="solid"/>
+                      <a:round/>
+                      <a:headEnd type="none" w="med" len="med"/>
+                      <a:tailEnd type="none" w="med" len="med"/>
+                    </a:lnT>
+                  </a:tcPr>
+                </a:tc>
+              </a:tr>
+              <a:tr h="383540">
+                <a:tc>
+                  <a:txBody>
+                    <a:bodyPr/>
+                    <a:lstStyle/>
+                    <a:p>
+                      <a:r>
+                        <a:rPr kumimoji="1" lang="en-US" altLang="ja-JP" dirty="0" smtClean="0"/>
+                        <a:t>1</a:t>
+                      </a:r>
+                      <a:endParaRPr kumimoji="1" lang="ja-JP" altLang="en-US" dirty="0"/>
+                    </a:p>
+                  </a:txBody>
+                  <a:tcPr>
+                    <a:lnL w="12700" cap="flat" cmpd="sng" algn="ctr">
+                      <a:solidFill>
+                        <a:schemeClr val="tx1"/>
+                      </a:solidFill>
+                      <a:prstDash val="solid"/>
+                      <a:round/>
+                      <a:headEnd type="none" w="med" len="med"/>
+                      <a:tailEnd type="none" w="med" len="med"/>
+                    </a:lnL>
+                  </a:tcPr>
+                </a:tc>
+                <a:tc>
+                  <a:txBody>
+                    <a:bodyPr/>
+                    <a:lstStyle/>
+                    <a:p>
+                      <a:r>
+                        <a:rPr kumimoji="1" lang="en-US" altLang="ja-JP" dirty="0" smtClean="0"/>
+                        <a:t>100</a:t>
+                      </a:r>
+                      <a:endParaRPr kumimoji="1" lang="ja-JP" altLang="en-US" dirty="0"/>
+                    </a:p>
+                  </a:txBody>
+                  <a:tcPr/>
+                </a:tc>
+                <a:tc>
+                  <a:txBody>
+                    <a:bodyPr/>
+                    <a:lstStyle/>
+                    <a:p>
+                      <a:r>
+                        <a:rPr kumimoji="1" lang="en-US" altLang="ja-JP" dirty="0" smtClean="0"/>
+                        <a:t>30</a:t>
+                      </a:r>
+                      <a:endParaRPr kumimoji="1" lang="ja-JP" altLang="en-US" dirty="0"/>
+                    </a:p>
+                  </a:txBody>
+                  <a:tcPr/>
+                </a:tc>
+                <a:tc>
+                  <a:txBody>
+                    <a:bodyPr/>
+                    <a:lstStyle/>
+                    <a:p>
+                      <a:r>
+                        <a:rPr kumimoji="1" lang="en-US" altLang="ja-JP" dirty="0" smtClean="0"/>
+                        <a:t>60</a:t>
+                      </a:r>
+                      <a:endParaRPr kumimoji="1" lang="ja-JP" altLang="en-US" dirty="0"/>
+                    </a:p>
+                  </a:txBody>
+                  <a:tcPr/>
+                </a:tc>
+                <a:tc>
+                  <a:txBody>
+                    <a:bodyPr/>
+                    <a:lstStyle/>
+                    <a:p>
+                      <a:r>
+                        <a:rPr kumimoji="1" lang="ja-JP" altLang="en-US" dirty="0" smtClean="0"/>
+                        <a:t>米</a:t>
+                      </a:r>
+                      <a:endParaRPr kumimoji="1" lang="ja-JP" altLang="en-US" dirty="0"/>
+                    </a:p>
+                  </a:txBody>
+                  <a:tcPr>
+                    <a:lnR w="12700" cap="flat" cmpd="sng" algn="ctr">
+                      <a:solidFill>
+                        <a:schemeClr val="tx1"/>
+                      </a:solidFill>
+                      <a:prstDash val="solid"/>
+                      <a:round/>
+                      <a:headEnd type="none" w="med" len="med"/>
+                      <a:tailEnd type="none" w="med" len="med"/>
+                    </a:lnR>
+                  </a:tcPr>
+                </a:tc>
+              </a:tr>
+              <a:tr h="383540">
+                <a:tc>
+                  <a:txBody>
+                    <a:bodyPr/>
+                    <a:lstStyle/>
+                    <a:p>
+                      <a:r>
+                        <a:rPr kumimoji="1" lang="en-US" altLang="ja-JP" dirty="0" smtClean="0"/>
+                        <a:t>2</a:t>
+                      </a:r>
+                    </a:p>
+                  </a:txBody>
+                  <a:tcPr>
+                    <a:lnL w="12700" cap="flat" cmpd="sng" algn="ctr">
+                      <a:solidFill>
+                        <a:schemeClr val="tx1"/>
+                      </a:solidFill>
+                      <a:prstDash val="solid"/>
+                      <a:round/>
+                      <a:headEnd type="none" w="med" len="med"/>
+                      <a:tailEnd type="none" w="med" len="med"/>
+                    </a:lnL>
+                  </a:tcPr>
+                </a:tc>
+                <a:tc>
+                  <a:txBody>
+                    <a:bodyPr/>
+                    <a:lstStyle/>
+                    <a:p>
+                      <a:r>
+                        <a:rPr kumimoji="1" lang="en-US" altLang="ja-JP" dirty="0" smtClean="0"/>
+                        <a:t>0</a:t>
+                      </a:r>
+                    </a:p>
+                  </a:txBody>
+                  <a:tcPr/>
+                </a:tc>
+                <a:tc>
+                  <a:txBody>
+                    <a:bodyPr/>
+                    <a:lstStyle/>
+                    <a:p>
+                      <a:r>
+                        <a:rPr kumimoji="1" lang="en-US" altLang="ja-JP" dirty="0" smtClean="0"/>
+                        <a:t>50</a:t>
+                      </a:r>
+                      <a:endParaRPr kumimoji="1" lang="ja-JP" altLang="en-US" dirty="0"/>
+                    </a:p>
+                  </a:txBody>
+                  <a:tcPr/>
+                </a:tc>
+                <a:tc>
+                  <a:txBody>
+                    <a:bodyPr/>
+                    <a:lstStyle/>
+                    <a:p>
+                      <a:r>
+                        <a:rPr kumimoji="1" lang="en-US" altLang="ja-JP" dirty="0" smtClean="0"/>
+                        <a:t>40</a:t>
+                      </a:r>
+                      <a:endParaRPr kumimoji="1" lang="ja-JP" altLang="en-US" dirty="0"/>
+                    </a:p>
+                  </a:txBody>
+                  <a:tcPr/>
+                </a:tc>
+                <a:tc>
+                  <a:txBody>
+                    <a:bodyPr/>
+                    <a:lstStyle/>
+                    <a:p>
+                      <a:r>
+                        <a:rPr kumimoji="1" lang="ja-JP" altLang="en-US" dirty="0" smtClean="0"/>
+                        <a:t>野菜</a:t>
+                      </a:r>
+                      <a:endParaRPr kumimoji="1" lang="ja-JP" altLang="en-US" dirty="0"/>
+                    </a:p>
+                  </a:txBody>
+                  <a:tcPr>
+                    <a:lnR w="12700" cap="flat" cmpd="sng" algn="ctr">
+                      <a:solidFill>
+                        <a:schemeClr val="tx1"/>
+                      </a:solidFill>
+                      <a:prstDash val="solid"/>
+                      <a:round/>
+                      <a:headEnd type="none" w="med" len="med"/>
+                      <a:tailEnd type="none" w="med" len="med"/>
+                    </a:lnR>
+                  </a:tcPr>
+                </a:tc>
+              </a:tr>
+              <a:tr h="383540">
+                <a:tc>
+                  <a:txBody>
+                    <a:bodyPr/>
+                    <a:lstStyle/>
+                    <a:p>
+                      <a:r>
+                        <a:rPr kumimoji="1" lang="en-US" altLang="ja-JP" dirty="0" smtClean="0"/>
+                        <a:t>3</a:t>
+                      </a:r>
+                      <a:endParaRPr kumimoji="1" lang="ja-JP" altLang="en-US" dirty="0"/>
+                    </a:p>
+                  </a:txBody>
+                  <a:tcPr>
+                    <a:lnL w="12700" cap="flat" cmpd="sng" algn="ctr">
+                      <a:solidFill>
+                        <a:schemeClr val="tx1"/>
+                      </a:solidFill>
+                      <a:prstDash val="solid"/>
+                      <a:round/>
+                      <a:headEnd type="none" w="med" len="med"/>
+                      <a:tailEnd type="none" w="med" len="med"/>
+                    </a:lnL>
+                  </a:tcPr>
+                </a:tc>
+                <a:tc>
+                  <a:txBody>
+                    <a:bodyPr/>
+                    <a:lstStyle/>
+                    <a:p>
+                      <a:r>
+                        <a:rPr kumimoji="1" lang="en-US" altLang="ja-JP" dirty="0" smtClean="0"/>
+                        <a:t>0</a:t>
+                      </a:r>
+                      <a:endParaRPr kumimoji="1" lang="ja-JP" altLang="en-US" dirty="0"/>
+                    </a:p>
+                  </a:txBody>
+                  <a:tcPr/>
+                </a:tc>
+                <a:tc>
+                  <a:txBody>
+                    <a:bodyPr/>
+                    <a:lstStyle/>
+                    <a:p>
+                      <a:r>
+                        <a:rPr kumimoji="1" lang="en-US" altLang="ja-JP" dirty="0" smtClean="0"/>
+                        <a:t>0</a:t>
+                      </a:r>
+                      <a:endParaRPr kumimoji="1" lang="ja-JP" altLang="en-US" dirty="0"/>
+                    </a:p>
+                  </a:txBody>
+                  <a:tcPr/>
+                </a:tc>
+                <a:tc>
+                  <a:txBody>
+                    <a:bodyPr/>
+                    <a:lstStyle/>
+                    <a:p>
+                      <a:r>
+                        <a:rPr kumimoji="1" lang="en-US" altLang="ja-JP" dirty="0" smtClean="0"/>
+                        <a:t>0</a:t>
+                      </a:r>
+                      <a:endParaRPr kumimoji="1" lang="ja-JP" altLang="en-US" dirty="0"/>
+                    </a:p>
+                  </a:txBody>
+                  <a:tcPr/>
+                </a:tc>
+                <a:tc>
+                  <a:txBody>
+                    <a:bodyPr/>
+                    <a:lstStyle/>
+                    <a:p>
+                      <a:r>
+                        <a:rPr kumimoji="1" lang="en-US" altLang="ja-JP" dirty="0" smtClean="0"/>
+                        <a:t>NULL</a:t>
+                      </a:r>
+                      <a:endParaRPr kumimoji="1" lang="ja-JP" altLang="en-US" dirty="0"/>
+                    </a:p>
+                  </a:txBody>
+                  <a:tcPr>
+                    <a:lnR w="12700" cap="flat" cmpd="sng" algn="ctr">
+                      <a:solidFill>
+                        <a:schemeClr val="tx1"/>
+                      </a:solidFill>
+                      <a:prstDash val="solid"/>
+                      <a:round/>
+                      <a:headEnd type="none" w="med" len="med"/>
+                      <a:tailEnd type="none" w="med" len="med"/>
+                    </a:lnR>
+                  </a:tcPr>
+                </a:tc>
+              </a:tr>
+              <a:tr h="383540">
+                <a:tc>
+                  <a:txBody>
+                    <a:bodyPr/>
+                    <a:lstStyle/>
+                    <a:p>
+                      <a:r>
+                        <a:rPr kumimoji="1" lang="en-US" altLang="ja-JP" dirty="0" smtClean="0"/>
+                        <a:t>4</a:t>
+                      </a:r>
+                      <a:endParaRPr kumimoji="1" lang="ja-JP" altLang="en-US" dirty="0"/>
+                    </a:p>
+                  </a:txBody>
+                  <a:tcPr>
+                    <a:lnL w="12700" cap="flat" cmpd="sng" algn="ctr">
+                      <a:solidFill>
+                        <a:schemeClr val="tx1"/>
+                      </a:solidFill>
+                      <a:prstDash val="solid"/>
+                      <a:round/>
+                      <a:headEnd type="none" w="med" len="med"/>
+                      <a:tailEnd type="none" w="med" len="med"/>
+                    </a:lnL>
+                    <a:lnB w="12700" cap="flat" cmpd="sng" algn="ctr">
+                      <a:solidFill>
+                        <a:schemeClr val="tx1"/>
+                      </a:solidFill>
+                      <a:prstDash val="solid"/>
+                      <a:round/>
+                      <a:headEnd type="none" w="med" len="med"/>
+                      <a:tailEnd type="none" w="med" len="med"/>
+                    </a:lnB>
+                  </a:tcPr>
+                </a:tc>
+                <a:tc>
+                  <a:txBody>
+                    <a:bodyPr/>
+                    <a:lstStyle/>
+                    <a:p>
+                      <a:r>
+                        <a:rPr kumimoji="1" lang="en-US" altLang="ja-JP" dirty="0" smtClean="0"/>
+                        <a:t>2</a:t>
+                      </a:r>
+                      <a:endParaRPr kumimoji="1" lang="ja-JP" altLang="en-US" dirty="0"/>
+                    </a:p>
+                  </a:txBody>
+                  <a:tcPr>
+                    <a:lnB w="12700" cap="flat" cmpd="sng" algn="ctr">
+                      <a:solidFill>
+                        <a:schemeClr val="tx1"/>
+                      </a:solidFill>
+                      <a:prstDash val="solid"/>
+                      <a:round/>
+                      <a:headEnd type="none" w="med" len="med"/>
+                      <a:tailEnd type="none" w="med" len="med"/>
+                    </a:lnB>
+                  </a:tcPr>
+                </a:tc>
+                <a:tc>
+                  <a:txBody>
+                    <a:bodyPr/>
+                    <a:lstStyle/>
+                    <a:p>
+                      <a:r>
+                        <a:rPr kumimoji="1" lang="en-US" altLang="ja-JP" dirty="0" smtClean="0"/>
+                        <a:t>90</a:t>
+                      </a:r>
+                      <a:endParaRPr kumimoji="1" lang="ja-JP" altLang="en-US" dirty="0"/>
+                    </a:p>
+                  </a:txBody>
+                  <a:tcPr>
+                    <a:lnB w="12700" cap="flat" cmpd="sng" algn="ctr">
+                      <a:solidFill>
+                        <a:schemeClr val="tx1"/>
+                      </a:solidFill>
+                      <a:prstDash val="solid"/>
+                      <a:round/>
+                      <a:headEnd type="none" w="med" len="med"/>
+                      <a:tailEnd type="none" w="med" len="med"/>
+                    </a:lnB>
+                  </a:tcPr>
+                </a:tc>
+                <a:tc>
+                  <a:txBody>
+                    <a:bodyPr/>
+                    <a:lstStyle/>
+                    <a:p>
+                      <a:r>
+                        <a:rPr kumimoji="1" lang="en-US" altLang="ja-JP" dirty="0" smtClean="0"/>
+                        <a:t>30</a:t>
+                      </a:r>
+                      <a:endParaRPr kumimoji="1" lang="ja-JP" altLang="en-US" dirty="0"/>
+                    </a:p>
+                  </a:txBody>
+                  <a:tcPr>
+                    <a:lnB w="12700" cap="flat" cmpd="sng" algn="ctr">
+                      <a:solidFill>
+                        <a:schemeClr val="tx1"/>
+                      </a:solidFill>
+                      <a:prstDash val="solid"/>
+                      <a:round/>
+                      <a:headEnd type="none" w="med" len="med"/>
+                      <a:tailEnd type="none" w="med" len="med"/>
+                    </a:lnB>
+                  </a:tcPr>
+                </a:tc>
+                <a:tc>
+                  <a:txBody>
+                    <a:bodyPr/>
+                    <a:lstStyle/>
+                    <a:p>
+                      <a:r>
+                        <a:rPr kumimoji="1" lang="ja-JP" altLang="en-US" dirty="0" smtClean="0"/>
+                        <a:t>野菜</a:t>
+                      </a:r>
+                      <a:endParaRPr kumimoji="1" lang="ja-JP" altLang="en-US" dirty="0"/>
+                    </a:p>
+                  </a:txBody>
+                  <a:tcPr>
+                    <a:lnR w="12700" cap="flat" cmpd="sng" algn="ctr">
+                      <a:solidFill>
+                        <a:schemeClr val="tx1"/>
+                      </a:solidFill>
+                      <a:prstDash val="solid"/>
+                      <a:round/>
+                      <a:headEnd type="none" w="med" len="med"/>
+                      <a:tailEnd type="none" w="med" len="med"/>
+                    </a:lnR>
+                    <a:lnB w="12700" cap="flat" cmpd="sng" algn="ctr">
+                      <a:solidFill>
+                        <a:schemeClr val="tx1"/>
+                      </a:solidFill>
+                      <a:prstDash val="solid"/>
+                      <a:round/>
+                      <a:headEnd type="none" w="med" len="med"/>
+                      <a:tailEnd type="none" w="med" len="med"/>
+                    </a:lnB>
+                  </a:tcPr>
+                </a:tc>
+              </a:tr>
+            </a:tbl>
+          </a:graphicData>
+        </a:graphic>
+      </p:graphicFrame>
+      <p:sp>
+        <p:nvSpPr>
+          <p:cNvPr id="8" name="テキスト ボックス 7"/>
+          <p:cNvSpPr txBox="1"/>
+          <p:nvPr/>
+        </p:nvSpPr>
+        <p:spPr>
+          <a:xfrm>
+            <a:off x="1697007" y="1974334"/>
+            <a:ext cx="301686" cy="369332"/>
+          </a:xfrm>
+          <a:prstGeom prst="rect">
+            <a:avLst/>
+          </a:prstGeom>
+          <a:noFill/>
+        </p:spPr>
+        <p:txBody>
+          <a:bodyPr wrap="none" rtlCol="0">
+            <a:spAutoFit/>
+          </a:bodyPr>
+          <a:lstStyle/>
+          <a:p>
+            <a:r>
+              <a:rPr kumimoji="1" lang="en-US" altLang="ja-JP" sz="1800" dirty="0" smtClean="0"/>
+              <a:t>1</a:t>
+            </a:r>
+            <a:endParaRPr kumimoji="1" lang="ja-JP" altLang="en-US" sz="1800" dirty="0"/>
+          </a:p>
+        </p:txBody>
+      </p:sp>
+      <p:sp>
+        <p:nvSpPr>
+          <p:cNvPr id="9" name="テキスト ボックス 8"/>
+          <p:cNvSpPr txBox="1"/>
+          <p:nvPr/>
+        </p:nvSpPr>
+        <p:spPr>
+          <a:xfrm>
+            <a:off x="1697007" y="3431645"/>
+            <a:ext cx="301686" cy="369332"/>
+          </a:xfrm>
+          <a:prstGeom prst="rect">
+            <a:avLst/>
+          </a:prstGeom>
+          <a:noFill/>
+        </p:spPr>
+        <p:txBody>
+          <a:bodyPr wrap="none" rtlCol="0">
+            <a:spAutoFit/>
+          </a:bodyPr>
+          <a:lstStyle/>
+          <a:p>
+            <a:r>
+              <a:rPr kumimoji="1" lang="en-US" altLang="ja-JP" sz="1800" dirty="0" smtClean="0"/>
+              <a:t>2</a:t>
+            </a:r>
+            <a:endParaRPr kumimoji="1" lang="ja-JP" altLang="en-US" sz="1800" dirty="0"/>
+          </a:p>
+        </p:txBody>
+      </p:sp>
+      <p:sp>
+        <p:nvSpPr>
+          <p:cNvPr id="10" name="テキスト ボックス 9"/>
+          <p:cNvSpPr txBox="1"/>
+          <p:nvPr/>
+        </p:nvSpPr>
+        <p:spPr>
+          <a:xfrm>
+            <a:off x="3163857" y="1974334"/>
+            <a:ext cx="301686" cy="369332"/>
+          </a:xfrm>
+          <a:prstGeom prst="rect">
+            <a:avLst/>
+          </a:prstGeom>
+          <a:noFill/>
+        </p:spPr>
+        <p:txBody>
+          <a:bodyPr wrap="none" rtlCol="0">
+            <a:spAutoFit/>
+          </a:bodyPr>
+          <a:lstStyle/>
+          <a:p>
+            <a:r>
+              <a:rPr kumimoji="1" lang="en-US" altLang="ja-JP" sz="1800" dirty="0" smtClean="0"/>
+              <a:t>3</a:t>
+            </a:r>
+            <a:endParaRPr kumimoji="1" lang="ja-JP" altLang="en-US" sz="1800" dirty="0"/>
+          </a:p>
+        </p:txBody>
+      </p:sp>
+      <p:sp>
+        <p:nvSpPr>
+          <p:cNvPr id="11" name="テキスト ボックス 10"/>
+          <p:cNvSpPr txBox="1"/>
+          <p:nvPr/>
+        </p:nvSpPr>
+        <p:spPr>
+          <a:xfrm>
+            <a:off x="3149600" y="3364984"/>
+            <a:ext cx="301686" cy="369332"/>
+          </a:xfrm>
+          <a:prstGeom prst="rect">
+            <a:avLst/>
+          </a:prstGeom>
+          <a:noFill/>
+        </p:spPr>
+        <p:txBody>
+          <a:bodyPr wrap="none" rtlCol="0">
+            <a:spAutoFit/>
+          </a:bodyPr>
+          <a:lstStyle/>
+          <a:p>
+            <a:r>
+              <a:rPr kumimoji="1" lang="en-US" altLang="ja-JP" sz="1800" dirty="0" smtClean="0"/>
+              <a:t>4</a:t>
+            </a:r>
+            <a:endParaRPr kumimoji="1" lang="ja-JP" altLang="en-US" sz="1800" dirty="0"/>
+          </a:p>
+        </p:txBody>
+      </p:sp>
+      <p:sp>
+        <p:nvSpPr>
+          <p:cNvPr id="12" name="正方形/長方形 11"/>
+          <p:cNvSpPr/>
+          <p:nvPr/>
+        </p:nvSpPr>
+        <p:spPr>
+          <a:xfrm>
+            <a:off x="7162435" y="1956578"/>
+            <a:ext cx="715930" cy="1892300"/>
+          </a:xfrm>
+          <a:prstGeom prst="rect">
+            <a:avLst/>
+          </a:prstGeom>
+          <a:noFill/>
+          <a:ln w="38100">
+            <a:solidFill>
+              <a:srgbClr val="FF0000"/>
+            </a:solidFill>
+          </a:ln>
+        </p:spPr>
+        <p:style>
+          <a:lnRef idx="2">
+            <a:schemeClr val="accent1">
+              <a:shade val="50000"/>
+            </a:schemeClr>
+          </a:lnRef>
+          <a:fillRef idx="1">
+            <a:schemeClr val="accent1"/>
+          </a:fillRef>
+          <a:effectRef idx="0">
+            <a:schemeClr val="accent1"/>
+          </a:effectRef>
+          <a:fontRef idx="minor">
+            <a:schemeClr val="lt1"/>
+          </a:fontRef>
+        </p:style>
+        <p:txBody>
+          <a:bodyPr rtlCol="0" anchor="ctr"/>
+          <a:lstStyle/>
+          <a:p>
+            <a:pPr algn="ctr"/>
+            <a:endParaRPr kumimoji="1" lang="ja-JP" altLang="en-US"/>
+          </a:p>
+        </p:txBody>
+      </p:sp>
+    </p:spTree>
+    <p:extLst>
+      <p:ext uri="{BB962C8B-B14F-4D97-AF65-F5344CB8AC3E}">
+        <p14:creationId xmlns:p14="http://schemas.microsoft.com/office/powerpoint/2010/main" val="3719807748"/>
       </p:ext>
     </p:extLst>
   </p:cSld>

--- a/GISオープン教材/よくある質問とエラー/よくある質問とエラー.pptx
+++ b/GISオープン教材/よくある質問とエラー/よくある質問とエラー.pptx
@@ -5,7 +5,7 @@
     <p:sldMasterId id="2147483660" r:id="rId1"/>
   </p:sldMasterIdLst>
   <p:notesMasterIdLst>
-    <p:notesMasterId r:id="rId11"/>
+    <p:notesMasterId r:id="rId12"/>
   </p:notesMasterIdLst>
   <p:sldIdLst>
     <p:sldId id="256" r:id="rId2"/>
@@ -17,6 +17,7 @@
     <p:sldId id="262" r:id="rId8"/>
     <p:sldId id="263" r:id="rId9"/>
     <p:sldId id="264" r:id="rId10"/>
+    <p:sldId id="265" r:id="rId11"/>
   </p:sldIdLst>
   <p:sldSz cx="9144000" cy="5715000" type="screen16x10"/>
   <p:notesSz cx="6858000" cy="9144000"/>
@@ -216,7 +217,7 @@
           <a:p>
             <a:fld id="{636A9AF6-331B-4E58-9001-8E72DBEA7EF8}" type="datetimeFigureOut">
               <a:rPr kumimoji="1" lang="ja-JP" altLang="en-US" smtClean="0"/>
-              <a:t>2017/7/20</a:t>
+              <a:t>2018/7/18</a:t>
             </a:fld>
             <a:endParaRPr kumimoji="1" lang="ja-JP" altLang="en-US"/>
           </a:p>
@@ -683,7 +684,7 @@
           <a:p>
             <a:fld id="{7BF98B17-CE4C-42DD-AEDB-B62939FBF2E8}" type="datetimeFigureOut">
               <a:rPr kumimoji="1" lang="ja-JP" altLang="en-US" smtClean="0"/>
-              <a:t>2017/7/20</a:t>
+              <a:t>2018/7/18</a:t>
             </a:fld>
             <a:endParaRPr kumimoji="1" lang="ja-JP" altLang="en-US"/>
           </a:p>
@@ -1752,7 +1753,7 @@
           <a:p>
             <a:fld id="{7BF98B17-CE4C-42DD-AEDB-B62939FBF2E8}" type="datetimeFigureOut">
               <a:rPr kumimoji="1" lang="ja-JP" altLang="en-US" smtClean="0"/>
-              <a:t>2017/7/20</a:t>
+              <a:t>2018/7/18</a:t>
             </a:fld>
             <a:endParaRPr kumimoji="1" lang="ja-JP" altLang="en-US"/>
           </a:p>
@@ -1964,7 +1965,7 @@
           <a:p>
             <a:fld id="{7BF98B17-CE4C-42DD-AEDB-B62939FBF2E8}" type="datetimeFigureOut">
               <a:rPr kumimoji="1" lang="ja-JP" altLang="en-US" smtClean="0"/>
-              <a:t>2017/7/20</a:t>
+              <a:t>2018/7/18</a:t>
             </a:fld>
             <a:endParaRPr kumimoji="1" lang="ja-JP" altLang="en-US"/>
           </a:p>
@@ -2279,7 +2280,7 @@
           <a:p>
             <a:fld id="{7BF98B17-CE4C-42DD-AEDB-B62939FBF2E8}" type="datetimeFigureOut">
               <a:rPr kumimoji="1" lang="ja-JP" altLang="en-US" smtClean="0"/>
-              <a:t>2017/7/20</a:t>
+              <a:t>2018/7/18</a:t>
             </a:fld>
             <a:endParaRPr kumimoji="1" lang="ja-JP" altLang="en-US"/>
           </a:p>
@@ -2575,7 +2576,7 @@
           <a:p>
             <a:fld id="{7BF98B17-CE4C-42DD-AEDB-B62939FBF2E8}" type="datetimeFigureOut">
               <a:rPr kumimoji="1" lang="ja-JP" altLang="en-US" smtClean="0"/>
-              <a:t>2017/7/20</a:t>
+              <a:t>2018/7/18</a:t>
             </a:fld>
             <a:endParaRPr kumimoji="1" lang="ja-JP" altLang="en-US"/>
           </a:p>
@@ -3006,7 +3007,7 @@
           <a:p>
             <a:fld id="{7BF98B17-CE4C-42DD-AEDB-B62939FBF2E8}" type="datetimeFigureOut">
               <a:rPr kumimoji="1" lang="ja-JP" altLang="en-US" smtClean="0"/>
-              <a:t>2017/7/20</a:t>
+              <a:t>2018/7/18</a:t>
             </a:fld>
             <a:endParaRPr kumimoji="1" lang="ja-JP" altLang="en-US"/>
           </a:p>
@@ -3124,7 +3125,7 @@
           <a:p>
             <a:fld id="{7BF98B17-CE4C-42DD-AEDB-B62939FBF2E8}" type="datetimeFigureOut">
               <a:rPr kumimoji="1" lang="ja-JP" altLang="en-US" smtClean="0"/>
-              <a:t>2017/7/20</a:t>
+              <a:t>2018/7/18</a:t>
             </a:fld>
             <a:endParaRPr kumimoji="1" lang="ja-JP" altLang="en-US"/>
           </a:p>
@@ -3219,7 +3220,7 @@
           <a:p>
             <a:fld id="{7BF98B17-CE4C-42DD-AEDB-B62939FBF2E8}" type="datetimeFigureOut">
               <a:rPr kumimoji="1" lang="ja-JP" altLang="en-US" smtClean="0"/>
-              <a:t>2017/7/20</a:t>
+              <a:t>2018/7/18</a:t>
             </a:fld>
             <a:endParaRPr kumimoji="1" lang="ja-JP" altLang="en-US"/>
           </a:p>
@@ -3528,7 +3529,7 @@
           <a:p>
             <a:fld id="{7BF98B17-CE4C-42DD-AEDB-B62939FBF2E8}" type="datetimeFigureOut">
               <a:rPr kumimoji="1" lang="ja-JP" altLang="en-US" smtClean="0"/>
-              <a:t>2017/7/20</a:t>
+              <a:t>2018/7/18</a:t>
             </a:fld>
             <a:endParaRPr kumimoji="1" lang="ja-JP" altLang="en-US"/>
           </a:p>
@@ -3785,7 +3786,7 @@
           <a:p>
             <a:fld id="{7BF98B17-CE4C-42DD-AEDB-B62939FBF2E8}" type="datetimeFigureOut">
               <a:rPr kumimoji="1" lang="ja-JP" altLang="en-US" smtClean="0"/>
-              <a:t>2017/7/20</a:t>
+              <a:t>2018/7/18</a:t>
             </a:fld>
             <a:endParaRPr kumimoji="1" lang="ja-JP" altLang="en-US"/>
           </a:p>
@@ -4030,7 +4031,7 @@
           <a:p>
             <a:fld id="{7BF98B17-CE4C-42DD-AEDB-B62939FBF2E8}" type="datetimeFigureOut">
               <a:rPr kumimoji="1" lang="ja-JP" altLang="en-US" smtClean="0"/>
-              <a:t>2017/7/20</a:t>
+              <a:t>2018/7/18</a:t>
             </a:fld>
             <a:endParaRPr kumimoji="1" lang="ja-JP" altLang="en-US"/>
           </a:p>
@@ -5345,6 +5346,251 @@
 </p:sld>
 </file>
 
+<file path=ppt/slides/slide10.xml><?xml version="1.0" encoding="utf-8"?>
+<p:sld xmlns:a="http://schemas.openxmlformats.org/drawingml/2006/main" xmlns:r="http://schemas.openxmlformats.org/officeDocument/2006/relationships" xmlns:p="http://schemas.openxmlformats.org/presentationml/2006/main">
+  <p:cSld>
+    <p:spTree>
+      <p:nvGrpSpPr>
+        <p:cNvPr id="1" name=""/>
+        <p:cNvGrpSpPr/>
+        <p:nvPr/>
+      </p:nvGrpSpPr>
+      <p:grpSpPr>
+        <a:xfrm>
+          <a:off x="0" y="0"/>
+          <a:ext cx="0" cy="0"/>
+          <a:chOff x="0" y="0"/>
+          <a:chExt cx="0" cy="0"/>
+        </a:xfrm>
+      </p:grpSpPr>
+      <p:sp>
+        <p:nvSpPr>
+          <p:cNvPr id="2" name="タイトル 1"/>
+          <p:cNvSpPr>
+            <a:spLocks noGrp="1"/>
+          </p:cNvSpPr>
+          <p:nvPr>
+            <p:ph type="title"/>
+          </p:nvPr>
+        </p:nvSpPr>
+        <p:spPr/>
+        <p:txBody>
+          <a:bodyPr>
+            <a:normAutofit fontScale="90000"/>
+          </a:bodyPr>
+          <a:lstStyle/>
+          <a:p>
+            <a:r>
+              <a:rPr kumimoji="1" lang="ja-JP" altLang="en-US" dirty="0" smtClean="0"/>
+              <a:t>緯線と経線の引き方</a:t>
+            </a:r>
+            <a:endParaRPr kumimoji="1" lang="ja-JP" altLang="en-US" dirty="0"/>
+          </a:p>
+        </p:txBody>
+      </p:sp>
+      <p:pic>
+        <p:nvPicPr>
+          <p:cNvPr id="13" name="図 12"/>
+          <p:cNvPicPr>
+            <a:picLocks noChangeAspect="1"/>
+          </p:cNvPicPr>
+          <p:nvPr/>
+        </p:nvPicPr>
+        <p:blipFill rotWithShape="1">
+          <a:blip r:embed="rId2" cstate="screen">
+            <a:extLst>
+              <a:ext uri="{28A0092B-C50C-407E-A947-70E740481C1C}">
+                <a14:useLocalDpi xmlns:a14="http://schemas.microsoft.com/office/drawing/2010/main"/>
+              </a:ext>
+            </a:extLst>
+          </a:blip>
+          <a:srcRect r="15850" b="28726"/>
+          <a:stretch/>
+        </p:blipFill>
+        <p:spPr>
+          <a:xfrm>
+            <a:off x="133350" y="663045"/>
+            <a:ext cx="6219825" cy="4051830"/>
+          </a:xfrm>
+          <a:prstGeom prst="rect">
+            <a:avLst/>
+          </a:prstGeom>
+        </p:spPr>
+      </p:pic>
+      <p:sp>
+        <p:nvSpPr>
+          <p:cNvPr id="14" name="正方形/長方形 13"/>
+          <p:cNvSpPr/>
+          <p:nvPr/>
+        </p:nvSpPr>
+        <p:spPr>
+          <a:xfrm>
+            <a:off x="5562600" y="2857500"/>
+            <a:ext cx="676275" cy="114300"/>
+          </a:xfrm>
+          <a:prstGeom prst="rect">
+            <a:avLst/>
+          </a:prstGeom>
+          <a:ln w="38100">
+            <a:solidFill>
+              <a:srgbClr val="FF0000"/>
+            </a:solidFill>
+          </a:ln>
+        </p:spPr>
+        <p:txBody>
+          <a:bodyPr wrap="square" rtlCol="0" anchor="ctr">
+            <a:spAutoFit/>
+          </a:bodyPr>
+          <a:lstStyle/>
+          <a:p>
+            <a:pPr algn="ctr"/>
+            <a:endParaRPr kumimoji="1" lang="ja-JP" altLang="en-US" sz="1600" b="1" dirty="0">
+              <a:hlinkClick r:id="rId3"/>
+            </a:endParaRPr>
+          </a:p>
+        </p:txBody>
+      </p:sp>
+      <p:sp>
+        <p:nvSpPr>
+          <p:cNvPr id="15" name="正方形/長方形 14"/>
+          <p:cNvSpPr/>
+          <p:nvPr/>
+        </p:nvSpPr>
+        <p:spPr>
+          <a:xfrm>
+            <a:off x="5133975" y="3181350"/>
+            <a:ext cx="676275" cy="114300"/>
+          </a:xfrm>
+          <a:prstGeom prst="rect">
+            <a:avLst/>
+          </a:prstGeom>
+          <a:ln w="38100">
+            <a:solidFill>
+              <a:srgbClr val="FF0000"/>
+            </a:solidFill>
+          </a:ln>
+        </p:spPr>
+        <p:txBody>
+          <a:bodyPr wrap="square" rtlCol="0" anchor="ctr">
+            <a:spAutoFit/>
+          </a:bodyPr>
+          <a:lstStyle/>
+          <a:p>
+            <a:pPr algn="ctr"/>
+            <a:endParaRPr kumimoji="1" lang="ja-JP" altLang="en-US" sz="1600" b="1" dirty="0">
+              <a:hlinkClick r:id="rId3"/>
+            </a:endParaRPr>
+          </a:p>
+        </p:txBody>
+      </p:sp>
+      <p:sp>
+        <p:nvSpPr>
+          <p:cNvPr id="16" name="正方形/長方形 15"/>
+          <p:cNvSpPr/>
+          <p:nvPr/>
+        </p:nvSpPr>
+        <p:spPr>
+          <a:xfrm>
+            <a:off x="5224462" y="3353858"/>
+            <a:ext cx="500063" cy="151342"/>
+          </a:xfrm>
+          <a:prstGeom prst="rect">
+            <a:avLst/>
+          </a:prstGeom>
+          <a:ln w="38100">
+            <a:solidFill>
+              <a:srgbClr val="FF0000"/>
+            </a:solidFill>
+          </a:ln>
+        </p:spPr>
+        <p:txBody>
+          <a:bodyPr wrap="square" rtlCol="0" anchor="ctr">
+            <a:spAutoFit/>
+          </a:bodyPr>
+          <a:lstStyle/>
+          <a:p>
+            <a:pPr algn="ctr"/>
+            <a:endParaRPr kumimoji="1" lang="ja-JP" altLang="en-US" sz="1600" b="1" dirty="0">
+              <a:hlinkClick r:id="rId3"/>
+            </a:endParaRPr>
+          </a:p>
+        </p:txBody>
+      </p:sp>
+      <p:pic>
+        <p:nvPicPr>
+          <p:cNvPr id="17" name="図 16"/>
+          <p:cNvPicPr>
+            <a:picLocks noChangeAspect="1"/>
+          </p:cNvPicPr>
+          <p:nvPr/>
+        </p:nvPicPr>
+        <p:blipFill rotWithShape="1">
+          <a:blip r:embed="rId4" cstate="screen">
+            <a:extLst>
+              <a:ext uri="{28A0092B-C50C-407E-A947-70E740481C1C}">
+                <a14:useLocalDpi xmlns:a14="http://schemas.microsoft.com/office/drawing/2010/main"/>
+              </a:ext>
+            </a:extLst>
+          </a:blip>
+          <a:srcRect/>
+          <a:stretch/>
+        </p:blipFill>
+        <p:spPr>
+          <a:xfrm>
+            <a:off x="6238875" y="1476375"/>
+            <a:ext cx="2774416" cy="3238500"/>
+          </a:xfrm>
+          <a:prstGeom prst="rect">
+            <a:avLst/>
+          </a:prstGeom>
+        </p:spPr>
+      </p:pic>
+      <p:sp>
+        <p:nvSpPr>
+          <p:cNvPr id="18" name="正方形/長方形 17"/>
+          <p:cNvSpPr/>
+          <p:nvPr/>
+        </p:nvSpPr>
+        <p:spPr>
+          <a:xfrm>
+            <a:off x="7626083" y="3429528"/>
+            <a:ext cx="1387208" cy="437621"/>
+          </a:xfrm>
+          <a:prstGeom prst="rect">
+            <a:avLst/>
+          </a:prstGeom>
+          <a:ln w="38100">
+            <a:solidFill>
+              <a:srgbClr val="FF0000"/>
+            </a:solidFill>
+          </a:ln>
+        </p:spPr>
+        <p:txBody>
+          <a:bodyPr wrap="square" rtlCol="0" anchor="ctr">
+            <a:spAutoFit/>
+          </a:bodyPr>
+          <a:lstStyle/>
+          <a:p>
+            <a:pPr algn="ctr"/>
+            <a:endParaRPr kumimoji="1" lang="ja-JP" altLang="en-US" sz="1600" b="1" dirty="0">
+              <a:hlinkClick r:id="rId3"/>
+            </a:endParaRPr>
+          </a:p>
+        </p:txBody>
+      </p:sp>
+    </p:spTree>
+    <p:extLst>
+      <p:ext uri="{BB962C8B-B14F-4D97-AF65-F5344CB8AC3E}">
+        <p14:creationId xmlns:p14="http://schemas.microsoft.com/office/powerpoint/2010/main" val="3391144732"/>
+      </p:ext>
+    </p:extLst>
+  </p:cSld>
+  <p:clrMapOvr>
+    <a:masterClrMapping/>
+  </p:clrMapOvr>
+</p:sld>
+</file>
+
 <file path=ppt/slides/slide2.xml><?xml version="1.0" encoding="utf-8"?>
 <p:sld xmlns:a="http://schemas.openxmlformats.org/drawingml/2006/main" xmlns:r="http://schemas.openxmlformats.org/officeDocument/2006/relationships" xmlns:p="http://schemas.openxmlformats.org/presentationml/2006/main">
   <p:cSld>
@@ -5951,8 +6197,14 @@
           <p:nvPr/>
         </p:nvPicPr>
         <p:blipFill rotWithShape="1">
-          <a:blip r:embed="rId2"/>
-          <a:srcRect r="84375" b="36719"/>
+          <a:blip r:embed="rId2" cstate="screen">
+            <a:extLst>
+              <a:ext uri="{28A0092B-C50C-407E-A947-70E740481C1C}">
+                <a14:useLocalDpi xmlns:a14="http://schemas.microsoft.com/office/drawing/2010/main"/>
+              </a:ext>
+            </a:extLst>
+          </a:blip>
+          <a:srcRect/>
           <a:stretch/>
         </p:blipFill>
         <p:spPr>
@@ -5974,8 +6226,14 @@
           <p:nvPr/>
         </p:nvPicPr>
         <p:blipFill rotWithShape="1">
-          <a:blip r:embed="rId3"/>
-          <a:srcRect l="6874" t="1952" r="53438" b="33203"/>
+          <a:blip r:embed="rId3" cstate="screen">
+            <a:extLst>
+              <a:ext uri="{28A0092B-C50C-407E-A947-70E740481C1C}">
+                <a14:useLocalDpi xmlns:a14="http://schemas.microsoft.com/office/drawing/2010/main"/>
+              </a:ext>
+            </a:extLst>
+          </a:blip>
+          <a:srcRect/>
           <a:stretch/>
         </p:blipFill>
         <p:spPr>
@@ -6297,7 +6555,13 @@
           <p:nvPr/>
         </p:nvPicPr>
         <p:blipFill>
-          <a:blip r:embed="rId2"/>
+          <a:blip r:embed="rId2" cstate="screen">
+            <a:extLst>
+              <a:ext uri="{28A0092B-C50C-407E-A947-70E740481C1C}">
+                <a14:useLocalDpi xmlns:a14="http://schemas.microsoft.com/office/drawing/2010/main"/>
+              </a:ext>
+            </a:extLst>
+          </a:blip>
           <a:stretch>
             <a:fillRect/>
           </a:stretch>
@@ -6321,8 +6585,14 @@
           <p:nvPr/>
         </p:nvPicPr>
         <p:blipFill rotWithShape="1">
-          <a:blip r:embed="rId3"/>
-          <a:srcRect r="67813" b="26562"/>
+          <a:blip r:embed="rId3" cstate="screen">
+            <a:extLst>
+              <a:ext uri="{28A0092B-C50C-407E-A947-70E740481C1C}">
+                <a14:useLocalDpi xmlns:a14="http://schemas.microsoft.com/office/drawing/2010/main"/>
+              </a:ext>
+            </a:extLst>
+          </a:blip>
+          <a:srcRect/>
           <a:stretch/>
         </p:blipFill>
         <p:spPr>
@@ -6509,8 +6779,14 @@
           <p:nvPr/>
         </p:nvPicPr>
         <p:blipFill rotWithShape="1">
-          <a:blip r:embed="rId2"/>
-          <a:srcRect r="84167" b="22005"/>
+          <a:blip r:embed="rId2" cstate="screen">
+            <a:extLst>
+              <a:ext uri="{28A0092B-C50C-407E-A947-70E740481C1C}">
+                <a14:useLocalDpi xmlns:a14="http://schemas.microsoft.com/office/drawing/2010/main"/>
+              </a:ext>
+            </a:extLst>
+          </a:blip>
+          <a:srcRect/>
           <a:stretch/>
         </p:blipFill>
         <p:spPr>
@@ -6624,8 +6900,14 @@
           <p:nvPr/>
         </p:nvPicPr>
         <p:blipFill rotWithShape="1">
-          <a:blip r:embed="rId3"/>
-          <a:srcRect t="8905" r="652" b="1189"/>
+          <a:blip r:embed="rId3" cstate="screen">
+            <a:extLst>
+              <a:ext uri="{28A0092B-C50C-407E-A947-70E740481C1C}">
+                <a14:useLocalDpi xmlns:a14="http://schemas.microsoft.com/office/drawing/2010/main"/>
+              </a:ext>
+            </a:extLst>
+          </a:blip>
+          <a:srcRect/>
           <a:stretch/>
         </p:blipFill>
         <p:spPr>
@@ -6693,8 +6975,14 @@
           <p:nvPr/>
         </p:nvPicPr>
         <p:blipFill rotWithShape="1">
-          <a:blip r:embed="rId3"/>
-          <a:srcRect l="33778" t="12856" r="63658" b="83889"/>
+          <a:blip r:embed="rId4" cstate="screen">
+            <a:extLst>
+              <a:ext uri="{28A0092B-C50C-407E-A947-70E740481C1C}">
+                <a14:useLocalDpi xmlns:a14="http://schemas.microsoft.com/office/drawing/2010/main"/>
+              </a:ext>
+            </a:extLst>
+          </a:blip>
+          <a:srcRect/>
           <a:stretch/>
         </p:blipFill>
         <p:spPr>
@@ -6723,7 +7011,7 @@
           <p:nvPr/>
         </p:nvPicPr>
         <p:blipFill>
-          <a:blip r:embed="rId4"/>
+          <a:blip r:embed="rId5"/>
           <a:stretch>
             <a:fillRect/>
           </a:stretch>
@@ -6874,7 +7162,13 @@
           <p:nvPr/>
         </p:nvPicPr>
         <p:blipFill>
-          <a:blip r:embed="rId2"/>
+          <a:blip r:embed="rId2" cstate="screen">
+            <a:extLst>
+              <a:ext uri="{28A0092B-C50C-407E-A947-70E740481C1C}">
+                <a14:useLocalDpi xmlns:a14="http://schemas.microsoft.com/office/drawing/2010/main"/>
+              </a:ext>
+            </a:extLst>
+          </a:blip>
           <a:stretch>
             <a:fillRect/>
           </a:stretch>
@@ -6898,7 +7192,13 @@
           <p:nvPr/>
         </p:nvPicPr>
         <p:blipFill>
-          <a:blip r:embed="rId3"/>
+          <a:blip r:embed="rId3" cstate="screen">
+            <a:extLst>
+              <a:ext uri="{28A0092B-C50C-407E-A947-70E740481C1C}">
+                <a14:useLocalDpi xmlns:a14="http://schemas.microsoft.com/office/drawing/2010/main"/>
+              </a:ext>
+            </a:extLst>
+          </a:blip>
           <a:stretch>
             <a:fillRect/>
           </a:stretch>
@@ -6968,8 +7268,14 @@
           <p:nvPr/>
         </p:nvPicPr>
         <p:blipFill rotWithShape="1">
-          <a:blip r:embed="rId3"/>
-          <a:srcRect l="55623" t="16454" r="41177" b="79978"/>
+          <a:blip r:embed="rId4" cstate="screen">
+            <a:extLst>
+              <a:ext uri="{28A0092B-C50C-407E-A947-70E740481C1C}">
+                <a14:useLocalDpi xmlns:a14="http://schemas.microsoft.com/office/drawing/2010/main"/>
+              </a:ext>
+            </a:extLst>
+          </a:blip>
+          <a:srcRect/>
           <a:stretch/>
         </p:blipFill>
         <p:spPr>
@@ -7052,8 +7358,14 @@
           <p:nvPr/>
         </p:nvPicPr>
         <p:blipFill rotWithShape="1">
-          <a:blip r:embed="rId3"/>
-          <a:srcRect t="1" r="78706" b="32170"/>
+          <a:blip r:embed="rId3" cstate="screen">
+            <a:extLst>
+              <a:ext uri="{28A0092B-C50C-407E-A947-70E740481C1C}">
+                <a14:useLocalDpi xmlns:a14="http://schemas.microsoft.com/office/drawing/2010/main"/>
+              </a:ext>
+            </a:extLst>
+          </a:blip>
+          <a:srcRect/>
           <a:stretch/>
         </p:blipFill>
         <p:spPr>
@@ -7075,7 +7387,13 @@
           <p:nvPr/>
         </p:nvPicPr>
         <p:blipFill>
-          <a:blip r:embed="rId4"/>
+          <a:blip r:embed="rId4" cstate="screen">
+            <a:extLst>
+              <a:ext uri="{28A0092B-C50C-407E-A947-70E740481C1C}">
+                <a14:useLocalDpi xmlns:a14="http://schemas.microsoft.com/office/drawing/2010/main"/>
+              </a:ext>
+            </a:extLst>
+          </a:blip>
           <a:stretch>
             <a:fillRect/>
           </a:stretch>
